--- a/ClassMaterials/ObjectIntroAndMisc/Slides/Part2-UsingDebugger.pptx
+++ b/ClassMaterials/ObjectIntroAndMisc/Slides/Part2-UsingDebugger.pptx
@@ -5,7 +5,7 @@
     <p:sldMasterId id="2147483648" r:id="rId4"/>
   </p:sldMasterIdLst>
   <p:notesMasterIdLst>
-    <p:notesMasterId r:id="rId19"/>
+    <p:notesMasterId r:id="rId21"/>
   </p:notesMasterIdLst>
   <p:sldIdLst>
     <p:sldId id="256" r:id="rId5"/>
@@ -22,6 +22,8 @@
     <p:sldId id="306" r:id="rId16"/>
     <p:sldId id="307" r:id="rId17"/>
     <p:sldId id="305" r:id="rId18"/>
+    <p:sldId id="342" r:id="rId19"/>
+    <p:sldId id="344" r:id="rId20"/>
   </p:sldIdLst>
   <p:sldSz cx="9144000" cy="6858000" type="screen4x3"/>
   <p:notesSz cx="6858000" cy="9144000"/>
@@ -182,6 +184,146 @@
 </pc:chgInfo>
 </file>
 
+<file path=ppt/ink/ink1.xml><?xml version="1.0" encoding="utf-8"?>
+<inkml:ink xmlns:inkml="http://www.w3.org/2003/InkML">
+  <inkml:definitions>
+    <inkml:context xml:id="ctx0">
+      <inkml:inkSource xml:id="inkSrc0">
+        <inkml:traceFormat>
+          <inkml:channel name="X" type="integer" min="-2.14748E9" max="2.14748E9" units="cm"/>
+          <inkml:channel name="Y" type="integer" min="-2.14748E9" max="2.14748E9" units="cm"/>
+          <inkml:channel name="F" type="integer" max="32767" units="dev"/>
+        </inkml:traceFormat>
+        <inkml:channelProperties>
+          <inkml:channelProperty channel="X" name="resolution" value="1000" units="1/cm"/>
+          <inkml:channelProperty channel="Y" name="resolution" value="1000" units="1/cm"/>
+          <inkml:channelProperty channel="F" name="resolution" value="0" units="1/dev"/>
+        </inkml:channelProperties>
+      </inkml:inkSource>
+      <inkml:timestamp xml:id="ts0" timeString="2022-12-04T23:30:13.054"/>
+    </inkml:context>
+    <inkml:brush xml:id="br0">
+      <inkml:brushProperty name="width" value="0.05" units="cm"/>
+      <inkml:brushProperty name="height" value="0.05" units="cm"/>
+      <inkml:brushProperty name="color" value="#E71224"/>
+    </inkml:brush>
+  </inkml:definitions>
+  <inkml:trace contextRef="#ctx0" brushRef="#br0">0 1611 24575,'0'2'0,"1"0"0,-1-1 0,0 1 0,0-1 0,0 1 0,1-1 0,-1 1 0,1 0 0,-1-1 0,1 1 0,0-1 0,-1 0 0,1 1 0,0-1 0,0 0 0,0 1 0,0-1 0,0 0 0,1 0 0,-1 0 0,0 0 0,0 0 0,3 1 0,0 0 0,0 0 0,0-1 0,0 1 0,0-1 0,1 0 0,-1 0 0,0-1 0,8 1 0,4-1 0,0-1 0,0-1 0,30-6 0,46-14 0,163-18 0,-228 38 0,-1-2 0,0 0 0,0-2 0,0-1 0,30-12 0,-42 13 0,1-1 0,-2-1 0,1 0 0,-1 0 0,0-2 0,-1 1 0,0-2 0,-1 0 0,0 0 0,11-15 0,17-21 0,1 1 0,63-53 0,-81 81 0,1 1 0,37-20 0,-31 20 0,38-29 0,79-91 0,-106 96 0,2 2 0,1 1 0,50-32 0,-34 32 0,-11 4 0,3 4 0,0 1 0,61-24 0,-2 5 0,-83 34 0,1 1 0,0 1 0,1 2 0,0 1 0,1 1 0,31-4 0,47-2 0,200-55 0,-250 56 0,1 4 0,87-3 0,71-12 0,-144 13 0,1 3 0,129 4 0,-190 3 0,1 0 0,-1-1 0,0-1 0,0 0 0,0-1 0,18-8 0,-15 6 0,0 1 0,0 0 0,26-4 0,12 6 0,73 4 0,38-3 0,-162 2 0,-1 0 0,1 0 0,0 0 0,-1-1 0,1 1 0,0-1 0,-1 0 0,1 0 0,-1 0 0,0 0 0,1 0 0,-1-1 0,0 1 0,0-1 0,0 1 0,4-4 0,-5 4 0,0-1 0,-1 0 0,1 1 0,0-1 0,0 1 0,-1-1 0,1 0 0,-1 1 0,0-1 0,1 0 0,-1 0 0,0 1 0,0-1 0,0 0 0,0 0 0,0 0 0,0 1 0,-2-4 0,0-2 0,0 1 0,-1 0 0,0 0 0,0 0 0,0 0 0,-1 1 0,0-1 0,0 1 0,-1 0 0,1 0 0,-9-7 0,-29-18 0,-88-49 0,107 71 0,23 8 0,0 0 0,0 0 0,-1 0 0,1 0 0,0 1 0,0-1 0,0 0 0,-1 0 0,1 0 0,0 0 0,0 0 0,0 0 0,0 1 0,-1-1 0,1 0 0,0 0 0,0 0 0,0 1 0,0-1 0,0 0 0,-1 0 0,1 0 0,0 1 0,0-1 0,0 0 0,0 0 0,0 1 0,0-1 0,0 0 0,0 0 0,0 0 0,0 1 0,0-1 0,0 0 0,0 0 0,0 1 0,0-1 0,0 0 0,0 0 0,0 0 0,1 1 0,-1-1 0,0 0 0,0 1 0,2 2 0,0 1 0,0 0 0,0 0 0,1-1 0,-1 0 0,1 1 0,0-1 0,4 4 0,79 57 0,-65-50 0,0 1 0,-1 1 0,0 1 0,21 23 0,-38-35 0,1-1 0,-1 2 0,0-1 0,0 0 0,-1 0 0,1 1 0,-1 0 0,-1-1 0,1 1 0,-1 0 0,0 0 0,0 0 0,0 0 0,-1 0 0,0 0 0,0 0 0,-1 0 0,1 0 0,-4 9 0,2-5 0,-1-1 0,-1 0 0,1 0 0,-1-1 0,-1 1 0,0-1 0,0 0 0,-1 0 0,0 0 0,0-1 0,-10 10 0,-14 13-214,-32 41-1,47-53-721,-9 11-5890</inkml:trace>
+</inkml:ink>
+</file>
+
+<file path=ppt/ink/ink2.xml><?xml version="1.0" encoding="utf-8"?>
+<inkml:ink xmlns:inkml="http://www.w3.org/2003/InkML">
+  <inkml:definitions>
+    <inkml:context xml:id="ctx0">
+      <inkml:inkSource xml:id="inkSrc0">
+        <inkml:traceFormat>
+          <inkml:channel name="X" type="integer" min="-2.14748E9" max="2.14748E9" units="cm"/>
+          <inkml:channel name="Y" type="integer" min="-2.14748E9" max="2.14748E9" units="cm"/>
+          <inkml:channel name="F" type="integer" max="32767" units="dev"/>
+        </inkml:traceFormat>
+        <inkml:channelProperties>
+          <inkml:channelProperty channel="X" name="resolution" value="1000" units="1/cm"/>
+          <inkml:channelProperty channel="Y" name="resolution" value="1000" units="1/cm"/>
+          <inkml:channelProperty channel="F" name="resolution" value="0" units="1/dev"/>
+        </inkml:channelProperties>
+      </inkml:inkSource>
+      <inkml:timestamp xml:id="ts0" timeString="2022-12-04T23:30:17.344"/>
+    </inkml:context>
+    <inkml:brush xml:id="br0">
+      <inkml:brushProperty name="width" value="0.05" units="cm"/>
+      <inkml:brushProperty name="height" value="0.05" units="cm"/>
+      <inkml:brushProperty name="color" value="#E71224"/>
+    </inkml:brush>
+  </inkml:definitions>
+  <inkml:trace contextRef="#ctx0" brushRef="#br0">0 3320 24575,'1'2'0,"0"-1"0,0 0 0,0 0 0,1 0 0,-1 0 0,0 0 0,0 0 0,0 0 0,1 0 0,-1 0 0,1 0 0,-1-1 0,0 1 0,1-1 0,-1 1 0,1-1 0,0 1 0,-1-1 0,1 0 0,-1 0 0,1 0 0,-1 0 0,3 0 0,0 1 0,39 3 0,0-2 0,0-2 0,1-2 0,-1-1 0,80-18 0,-102 16 0,1-1 0,-2 0 0,1-2 0,-1 0 0,0-1 0,25-16 0,-36 18 0,0 1 0,0-1 0,-1-1 0,0 0 0,0 0 0,-1 0 0,0-1 0,0 0 0,-1 0 0,0-1 0,-1 0 0,0 0 0,-1 0 0,5-13 0,194-557 0,-151 453 0,21-46 0,15-33 0,-57 131 0,16-38 0,67-114 0,5 30 0,-99 160 0,19-35 0,4 2 0,66-84 0,-75 116 0,-20 24 0,-2 0 0,0-1 0,18-28 0,0-4 0,1 2 0,67-72 0,-13 16 0,-71 85 0,2 1 0,-1 0 0,2 1 0,28-19 0,-28 21 0,1 0 0,-2-2 0,0 0 0,25-29 0,-22 23 0,1 1 0,0 0 0,2 2 0,0 1 0,0 0 0,2 2 0,28-14 0,-3 0 0,-35 21 0,1 1 0,1 0 0,-1 0 0,1 2 0,0 0 0,0 1 0,17-2 0,35-7 0,-67 12 0,0 0 0,0-1 0,1 1 0,-1 0 0,0-1 0,0 1 0,0-1 0,0 1 0,0-1 0,0 0 0,0 0 0,0 1 0,0-1 0,0 0 0,0 0 0,0 0 0,-1 0 0,1 0 0,0 0 0,-1 0 0,1 0 0,-1 0 0,1 0 0,-1 0 0,1 0 0,-1 0 0,0-1 0,1 1 0,-1 0 0,0 0 0,0 0 0,0-1 0,0 1 0,0 0 0,0 0 0,0 0 0,-1-1 0,1 1 0,0 0 0,-1 0 0,1 0 0,-1 0 0,1-1 0,-1 1 0,1 0 0,-1 0 0,0 0 0,0-1 0,-6-9 0,0 1 0,-1-1 0,-13-14 0,15 18 0,-13-15 0,-35-40 0,51 59 0,0 0 0,0 1 0,0-1 0,0 1 0,-1 0 0,1-1 0,-1 2 0,1-1 0,-1 0 0,0 1 0,0 0 0,0-1 0,1 2 0,-1-1 0,0 0 0,-5 1 0,8 0 0,-1 0 0,1 1 0,0-1 0,0 1 0,0-1 0,0 1 0,0-1 0,0 1 0,0 0 0,0 0 0,0-1 0,0 1 0,0 0 0,0 0 0,1 0 0,-1 0 0,0 0 0,1 0 0,-1 0 0,1 0 0,-1 1 0,1-1 0,-1 0 0,1 0 0,0 0 0,-1 0 0,1 1 0,0-1 0,0 0 0,0 0 0,0 1 0,0-1 0,0 0 0,1 0 0,0 3 0,8 48 0,-8-48 0,3 9 0,21 71 0,-22-77 0,-1-1 0,1 1 0,1-1 0,-1 0 0,1 1 0,0-1 0,1-1 0,-1 1 0,9 7 0,-12-12 0,1 0 0,-1 0 0,1 0 0,-1 0 0,1 0 0,0 0 0,-1 0 0,1-1 0,0 1 0,0-1 0,0 1 0,0-1 0,-1 0 0,1 1 0,0-1 0,0 0 0,0 0 0,0 0 0,0-1 0,0 1 0,-1 0 0,1-1 0,0 1 0,2-2 0,2-1 0,0-1 0,0 1 0,0-1 0,-1-1 0,7-5 0,1-1 0,-13 10 0,1 1 0,-1 0 0,0-1 0,1 1 0,-1 0 0,0-1 0,1 1 0,-1 0 0,0 0 0,1-1 0,-1 1 0,1 0 0,-1 0 0,1 0 0,-1-1 0,0 1 0,1 0 0,-1 0 0,1 0 0,-1 0 0,1 0 0,-1 0 0,1 0 0,-1 0 0,1 0 0,-1 0 0,1 0 0,-1 0 0,0 1 0,1-1 0,-1 0 0,1 0 0,4 16 0,-9 22 0,4-38 0,-11 48-27,-3-1 0,-1-1-1,-38 78 1,17-43-1229,22-47-5570</inkml:trace>
+</inkml:ink>
+</file>
+
+<file path=ppt/ink/ink3.xml><?xml version="1.0" encoding="utf-8"?>
+<inkml:ink xmlns:inkml="http://www.w3.org/2003/InkML">
+  <inkml:definitions>
+    <inkml:context xml:id="ctx0">
+      <inkml:inkSource xml:id="inkSrc0">
+        <inkml:traceFormat>
+          <inkml:channel name="X" type="integer" min="-2.14748E9" max="2.14748E9" units="cm"/>
+          <inkml:channel name="Y" type="integer" min="-2.14748E9" max="2.14748E9" units="cm"/>
+          <inkml:channel name="F" type="integer" max="32767" units="dev"/>
+        </inkml:traceFormat>
+        <inkml:channelProperties>
+          <inkml:channelProperty channel="X" name="resolution" value="1000" units="1/cm"/>
+          <inkml:channelProperty channel="Y" name="resolution" value="1000" units="1/cm"/>
+          <inkml:channelProperty channel="F" name="resolution" value="0" units="1/dev"/>
+        </inkml:channelProperties>
+      </inkml:inkSource>
+      <inkml:timestamp xml:id="ts0" timeString="2022-12-04T23:30:22.260"/>
+    </inkml:context>
+    <inkml:brush xml:id="br0">
+      <inkml:brushProperty name="width" value="0.05" units="cm"/>
+      <inkml:brushProperty name="height" value="0.05" units="cm"/>
+      <inkml:brushProperty name="color" value="#E71224"/>
+    </inkml:brush>
+  </inkml:definitions>
+  <inkml:trace contextRef="#ctx0" brushRef="#br0">1 6309 24575,'413'-35'0,"-218"12"0,276-28 0,365-34 0,-805 82 0,1-2 0,-1-2 0,0 0 0,56-23 0,113-64 0,-72 31 0,148-54 0,154-75 0,-261 109 0,86-50 0,187-129 0,-372 214 0,105-94 0,-25 19 0,130-109 0,-236 190 0,-2-3 0,-1-1 0,64-98 0,-80 104 0,-2-2 0,-1 0 0,-2-1 0,-3-1 0,-1-1 0,-2-1 0,-2 0 0,-2 0 0,5-72 0,14-135 0,-2 45 0,0-145 0,-23 319 0,2 1 0,1 1 0,15-44 0,-10 40 0,-3 0 0,8-51 0,-11-2 0,-8-111 0,0-25 0,5 188 0,0 0 0,3 1 0,1 0 0,12-38 0,-6 31 0,-3 0 0,-1-1 0,-2 0 0,-2 0 0,-2-89 0,-5-411 0,4 515 0,1 0 0,6-30 0,4-40 0,-9 65 0,1 0 0,16-56 0,5-29 0,-22 96 0,1 0 0,1 0 0,1 0 0,1 1 0,1 0 0,1 1 0,1 0 0,0 0 0,2 1 0,27-32 0,-34 45 0,1 1 0,0 0 0,0 0 0,1 1 0,16-8 0,-19 10 0,1 1 0,-1-1 0,0 0 0,0 0 0,0-1 0,0 1 0,-1-1 0,1 0 0,-1-1 0,0 1 0,0-1 0,-1 1 0,1-1 0,3-7 0,-7 10 0,0 1 0,0 0 0,0-1 0,-1 1 0,1 0 0,0-1 0,-1 1 0,1 0 0,0-1 0,-1 1 0,0 0 0,1 0 0,-1 0 0,0-1 0,1 1 0,-1 0 0,0 0 0,0 0 0,0 0 0,0 0 0,0 1 0,0-1 0,0 0 0,0 0 0,-1 1 0,1-1 0,0 0 0,0 1 0,-1-1 0,-1 0 0,-47-16 0,43 15 0,-75-23 0,-142-35 0,264 84 0,45 2 0,-67-21 0,0 0 0,0 0 0,25 13 0,-37-15 0,0 1 0,-1-1 0,1 1 0,-1 0 0,0 1 0,0-1 0,-1 1 0,1 0 0,-1 0 0,0 1 0,0-1 0,-1 1 0,6 11 0,4 19 33,-1 0 0,-2 1 1,9 61-1,-10-47-782,16 52 0,-14-68-6077</inkml:trace>
+</inkml:ink>
+</file>
+
+<file path=ppt/ink/ink4.xml><?xml version="1.0" encoding="utf-8"?>
+<inkml:ink xmlns:inkml="http://www.w3.org/2003/InkML">
+  <inkml:definitions>
+    <inkml:context xml:id="ctx0">
+      <inkml:inkSource xml:id="inkSrc0">
+        <inkml:traceFormat>
+          <inkml:channel name="X" type="integer" min="-2.14748E9" max="2.14748E9" units="cm"/>
+          <inkml:channel name="Y" type="integer" min="-2.14748E9" max="2.14748E9" units="cm"/>
+          <inkml:channel name="F" type="integer" max="32767" units="dev"/>
+        </inkml:traceFormat>
+        <inkml:channelProperties>
+          <inkml:channelProperty channel="X" name="resolution" value="1000" units="1/cm"/>
+          <inkml:channelProperty channel="Y" name="resolution" value="1000" units="1/cm"/>
+          <inkml:channelProperty channel="F" name="resolution" value="0" units="1/dev"/>
+        </inkml:channelProperties>
+      </inkml:inkSource>
+      <inkml:timestamp xml:id="ts0" timeString="2022-12-04T23:30:56.511"/>
+    </inkml:context>
+    <inkml:brush xml:id="br0">
+      <inkml:brushProperty name="width" value="0.05" units="cm"/>
+      <inkml:brushProperty name="height" value="0.05" units="cm"/>
+      <inkml:brushProperty name="color" value="#E71224"/>
+    </inkml:brush>
+  </inkml:definitions>
+  <inkml:trace contextRef="#ctx0" brushRef="#br0">1233 1 24575,'679'0'0,"-672"-1"0,0 1 0,0 1 0,0-1 0,0 1 0,0 1 0,0-1 0,0 1 0,-1 0 0,1 1 0,-1-1 0,1 1 0,-1 1 0,0-1 0,0 1 0,6 5 0,-5-2 0,-1 0 0,1 1 0,-1 0 0,-1 0 0,1 1 0,-2 0 0,1 0 0,-1 0 0,0 0 0,3 12 0,6 20 0,-1 0 0,7 45 0,-17-72 0,-1 1 0,0 0 0,0 0 0,-2 0 0,0 0 0,0 0 0,-2 0 0,1-1 0,-10 26 0,-5 3 0,-1-2 0,-3 0 0,-1-1 0,-37 49 0,41-65 0,-1-1 0,-1-1 0,-1-1 0,-1-1 0,-1-1 0,-1 0 0,-44 25 0,-68 37 0,-65 34 0,167-98 0,-9 4 0,-65 21 0,71-28 0,1 3 0,0 0 0,-53 36 0,-25 14 0,-20-11 0,69-30 0,25-7 0,-59 39 0,3-3 0,-49 27 0,109-65 0,0 2 0,1 1 0,2 2 0,0 1 0,-37 34 0,69-55 0,0-1 0,0 1 0,0-1 0,-1 0 0,1 0 0,0 0 0,0 0 0,-1 0 0,1 0 0,-1 0 0,1 0 0,-1 0 0,1-1 0,-1 1 0,1 0 0,-1-1 0,1 0 0,-1 1 0,0-1 0,1 0 0,-1 0 0,0 0 0,1 0 0,-1 0 0,0 0 0,1 0 0,-1-1 0,0 1 0,1 0 0,-1-1 0,-1 0 0,-1-3 0,1 1 0,0-1 0,0 1 0,0-1 0,0 0 0,1 0 0,0 0 0,-1 0 0,1-1 0,-2-6 0,-2-10 0,1 0 0,0 0 0,1 0 0,2-1 0,0 1 0,1-1 0,3-25 0,1 107 0,3-1 0,15 64 0,-20-119 0,0 0 0,0 0 0,1 0 0,0 0 0,-1 0 0,1 0 0,1-1 0,-1 1 0,1-1 0,-1 1 0,1-1 0,0 0 0,0 0 0,0 0 0,1 0 0,-1-1 0,1 1 0,-1-1 0,1 0 0,0 0 0,0 0 0,0-1 0,0 1 0,0-1 0,0 0 0,5 1 0,13 1 0,-1 0 0,1-2 0,0 0 0,22-3 0,-10 1 0,209 12-1365,-203-7-5461</inkml:trace>
+</inkml:ink>
+</file>
+
+<file path=ppt/ink/ink5.xml><?xml version="1.0" encoding="utf-8"?>
+<inkml:ink xmlns:inkml="http://www.w3.org/2003/InkML">
+  <inkml:definitions>
+    <inkml:context xml:id="ctx0">
+      <inkml:inkSource xml:id="inkSrc0">
+        <inkml:traceFormat>
+          <inkml:channel name="X" type="integer" min="-2.14748E9" max="2.14748E9" units="cm"/>
+          <inkml:channel name="Y" type="integer" min="-2.14748E9" max="2.14748E9" units="cm"/>
+          <inkml:channel name="F" type="integer" max="32767" units="dev"/>
+        </inkml:traceFormat>
+        <inkml:channelProperties>
+          <inkml:channelProperty channel="X" name="resolution" value="1000" units="1/cm"/>
+          <inkml:channelProperty channel="Y" name="resolution" value="1000" units="1/cm"/>
+          <inkml:channelProperty channel="F" name="resolution" value="0" units="1/dev"/>
+        </inkml:channelProperties>
+      </inkml:inkSource>
+      <inkml:timestamp xml:id="ts0" timeString="2022-12-04T23:31:00.620"/>
+    </inkml:context>
+    <inkml:brush xml:id="br0">
+      <inkml:brushProperty name="width" value="0.05" units="cm"/>
+      <inkml:brushProperty name="height" value="0.05" units="cm"/>
+      <inkml:brushProperty name="color" value="#E71224"/>
+    </inkml:brush>
+  </inkml:definitions>
+  <inkml:trace contextRef="#ctx0" brushRef="#br0">1 0 24575,'488'29'0,"-5"36"0,-35-4 0,567 58 0,-657-68 0,71 8 0,-14-13 0,447 57 0,-728-83 0,188 2 0,19-24 0,592 19 0,-629 21 0,-78-8 0,640 83 0,-413-57 0,-139-19 0,180 23 0,-261-16 0,-36-4 0,-133-28 0,99 33 0,31 6 0,-89-27 0,-64-13 0,-1-2 0,83 6 0,12-4 0,252 55 0,-354-58 0,46 18 0,-47-14 0,43 10 0,28-5 0,162 5 0,-133-14 0,-119-6 0,0 1 0,-1 0 0,1 0 0,23 11 0,-22-8 0,0-1 0,1-1 0,22 5 0,9 0 0,0 1 0,50 19 0,-13-3 0,-41-12 0,0 2 0,-1 1 0,42 27 0,-81-43 0,25 11 0,1 0 0,41 11 0,-41-15 0,0 1 0,40 21 0,-31-13 0,49 17 0,-1 0 0,-83-33 0,0 0 0,0 0 0,0 0 0,0 0 0,-1 0 0,1 0 0,0-1 0,0 1 0,0-1 0,1 0 0,-1 1 0,0-1 0,0 0 0,0 0 0,0 0 0,0 0 0,0-1 0,0 1 0,0 0 0,0-1 0,0 0 0,0 1 0,0-1 0,0 0 0,0 0 0,0 0 0,2-2 0,-2 0 0,-1 1 0,0-1 0,1 0 0,-1 0 0,0 1 0,0-1 0,-1 0 0,1 0 0,0 0 0,-1 0 0,0 0 0,0 0 0,0 0 0,0 0 0,0 0 0,-1 0 0,1 0 0,-2-5 0,-10-63 0,2 0 0,4 0 0,4-90 0,1 195 0,1 1 0,2-1 0,1 0 0,2 0 0,1 0 0,12 38 0,-12-56 0,-3-9 0,0 1 0,-1 0 0,1 0 0,-2 0 0,1 0 0,0 13 0,-2-18 0,-1 1 0,1-1 0,-1 0 0,0 0 0,0 0 0,0 0 0,0 0 0,0 0 0,-1 0 0,0 0 0,1 0 0,-1 0 0,0-1 0,0 1 0,0-1 0,-1 0 0,1 1 0,-1-1 0,1 0 0,-1-1 0,-3 3 0,-43 24 0,0-2 0,-87 32 0,13-7 0,104-43-94,-209 90-1177,166-77-5555</inkml:trace>
+</inkml:ink>
+</file>
+
 <file path=ppt/notesMasters/notesMaster1.xml><?xml version="1.0" encoding="utf-8"?>
 <p:notesMaster xmlns:a="http://schemas.openxmlformats.org/drawingml/2006/main" xmlns:r="http://schemas.openxmlformats.org/officeDocument/2006/relationships" xmlns:p="http://schemas.openxmlformats.org/presentationml/2006/main">
   <p:cSld>
@@ -264,7 +406,7 @@
           <a:p>
             <a:fld id="{73386005-8F80-1A49-87D1-22EBFA47E352}" type="datetimeFigureOut">
               <a:rPr lang="en-US" smtClean="0"/>
-              <a:t>11/22/2022</a:t>
+              <a:t>12/4/2022</a:t>
             </a:fld>
             <a:endParaRPr lang="en-US"/>
           </a:p>
@@ -1094,6 +1236,120 @@
 </p:notes>
 </file>
 
+<file path=ppt/notesSlides/notesSlide14.xml><?xml version="1.0" encoding="utf-8"?>
+<p:notes xmlns:a="http://schemas.openxmlformats.org/drawingml/2006/main" xmlns:r="http://schemas.openxmlformats.org/officeDocument/2006/relationships" xmlns:p="http://schemas.openxmlformats.org/presentationml/2006/main">
+  <p:cSld>
+    <p:spTree>
+      <p:nvGrpSpPr>
+        <p:cNvPr id="1" name=""/>
+        <p:cNvGrpSpPr/>
+        <p:nvPr/>
+      </p:nvGrpSpPr>
+      <p:grpSpPr>
+        <a:xfrm>
+          <a:off x="0" y="0"/>
+          <a:ext cx="0" cy="0"/>
+          <a:chOff x="0" y="0"/>
+          <a:chExt cx="0" cy="0"/>
+        </a:xfrm>
+      </p:grpSpPr>
+      <p:sp>
+        <p:nvSpPr>
+          <p:cNvPr id="2" name="Slide Image Placeholder 1"/>
+          <p:cNvSpPr>
+            <a:spLocks noGrp="1" noRot="1" noChangeAspect="1"/>
+          </p:cNvSpPr>
+          <p:nvPr>
+            <p:ph type="sldImg"/>
+          </p:nvPr>
+        </p:nvSpPr>
+        <p:spPr/>
+      </p:sp>
+      <p:sp>
+        <p:nvSpPr>
+          <p:cNvPr id="3" name="Notes Placeholder 2"/>
+          <p:cNvSpPr>
+            <a:spLocks noGrp="1"/>
+          </p:cNvSpPr>
+          <p:nvPr>
+            <p:ph type="body" idx="1"/>
+          </p:nvPr>
+        </p:nvSpPr>
+        <p:spPr/>
+        <p:txBody>
+          <a:bodyPr/>
+          <a:lstStyle/>
+          <a:p>
+            <a:r>
+              <a:rPr lang="en-US" i="1" dirty="0" err="1"/>
+              <a:t>isArrayDoubled</a:t>
+            </a:r>
+            <a:r>
+              <a:rPr lang="en-US" i="1" dirty="0"/>
+              <a:t> </a:t>
+            </a:r>
+            <a:r>
+              <a:rPr lang="en-US" i="0" dirty="0"/>
+              <a:t> is a good example where the .equals comparison </a:t>
+            </a:r>
+          </a:p>
+          <a:p>
+            <a:r>
+              <a:rPr lang="en-US" i="0" dirty="0"/>
+              <a:t>fails because it is not implemented properly in the default .equals method.</a:t>
+            </a:r>
+          </a:p>
+          <a:p>
+            <a:r>
+              <a:rPr lang="en-US" i="0" dirty="0"/>
+              <a:t>Without using the debugger, it could be pretty hard to track down the</a:t>
+            </a:r>
+          </a:p>
+          <a:p>
+            <a:r>
+              <a:rPr lang="en-US" i="0" dirty="0"/>
+              <a:t>specific problem that is occurring.</a:t>
+            </a:r>
+            <a:endParaRPr lang="en-US" dirty="0"/>
+          </a:p>
+        </p:txBody>
+      </p:sp>
+      <p:sp>
+        <p:nvSpPr>
+          <p:cNvPr id="4" name="Slide Number Placeholder 3"/>
+          <p:cNvSpPr>
+            <a:spLocks noGrp="1"/>
+          </p:cNvSpPr>
+          <p:nvPr>
+            <p:ph type="sldNum" sz="quarter" idx="5"/>
+          </p:nvPr>
+        </p:nvSpPr>
+        <p:spPr/>
+        <p:txBody>
+          <a:bodyPr/>
+          <a:lstStyle/>
+          <a:p>
+            <a:fld id="{9B5CF600-4147-7540-9DE4-6C8272E0EDC3}" type="slidenum">
+              <a:rPr lang="en-US" smtClean="0"/>
+              <a:t>15</a:t>
+            </a:fld>
+            <a:endParaRPr lang="en-US"/>
+          </a:p>
+        </p:txBody>
+      </p:sp>
+    </p:spTree>
+    <p:extLst>
+      <p:ext uri="{BB962C8B-B14F-4D97-AF65-F5344CB8AC3E}">
+        <p14:creationId xmlns:p14="http://schemas.microsoft.com/office/powerpoint/2010/main" val="334306126"/>
+      </p:ext>
+    </p:extLst>
+  </p:cSld>
+  <p:clrMapOvr>
+    <a:masterClrMapping/>
+  </p:clrMapOvr>
+</p:notes>
+</file>
+
 <file path=ppt/notesSlides/notesSlide2.xml><?xml version="1.0" encoding="utf-8"?>
 <p:notes xmlns:a="http://schemas.openxmlformats.org/drawingml/2006/main" xmlns:r="http://schemas.openxmlformats.org/officeDocument/2006/relationships" xmlns:p="http://schemas.openxmlformats.org/presentationml/2006/main" showMasterSp="0" showMasterPhAnim="0">
   <p:cSld>
@@ -2289,7 +2545,7 @@
           <a:p>
             <a:fld id="{5B07E745-2C70-2943-8487-A8F6E88ADF5E}" type="datetimeFigureOut">
               <a:rPr lang="en-US" smtClean="0"/>
-              <a:t>11/22/2022</a:t>
+              <a:t>12/4/2022</a:t>
             </a:fld>
             <a:endParaRPr lang="en-US"/>
           </a:p>
@@ -2457,7 +2713,7 @@
           <a:p>
             <a:fld id="{5B07E745-2C70-2943-8487-A8F6E88ADF5E}" type="datetimeFigureOut">
               <a:rPr lang="en-US" smtClean="0"/>
-              <a:t>11/22/2022</a:t>
+              <a:t>12/4/2022</a:t>
             </a:fld>
             <a:endParaRPr lang="en-US"/>
           </a:p>
@@ -2635,7 +2891,7 @@
           <a:p>
             <a:fld id="{5B07E745-2C70-2943-8487-A8F6E88ADF5E}" type="datetimeFigureOut">
               <a:rPr lang="en-US" smtClean="0"/>
-              <a:t>11/22/2022</a:t>
+              <a:t>12/4/2022</a:t>
             </a:fld>
             <a:endParaRPr lang="en-US"/>
           </a:p>
@@ -3180,7 +3436,7 @@
           <a:p>
             <a:fld id="{5B07E745-2C70-2943-8487-A8F6E88ADF5E}" type="datetimeFigureOut">
               <a:rPr lang="en-US" smtClean="0"/>
-              <a:t>11/22/2022</a:t>
+              <a:t>12/4/2022</a:t>
             </a:fld>
             <a:endParaRPr lang="en-US"/>
           </a:p>
@@ -3425,7 +3681,7 @@
           <a:p>
             <a:fld id="{5B07E745-2C70-2943-8487-A8F6E88ADF5E}" type="datetimeFigureOut">
               <a:rPr lang="en-US" smtClean="0"/>
-              <a:t>11/22/2022</a:t>
+              <a:t>12/4/2022</a:t>
             </a:fld>
             <a:endParaRPr lang="en-US"/>
           </a:p>
@@ -3710,7 +3966,7 @@
           <a:p>
             <a:fld id="{5B07E745-2C70-2943-8487-A8F6E88ADF5E}" type="datetimeFigureOut">
               <a:rPr lang="en-US" smtClean="0"/>
-              <a:t>11/22/2022</a:t>
+              <a:t>12/4/2022</a:t>
             </a:fld>
             <a:endParaRPr lang="en-US"/>
           </a:p>
@@ -4129,7 +4385,7 @@
           <a:p>
             <a:fld id="{5B07E745-2C70-2943-8487-A8F6E88ADF5E}" type="datetimeFigureOut">
               <a:rPr lang="en-US" smtClean="0"/>
-              <a:t>11/22/2022</a:t>
+              <a:t>12/4/2022</a:t>
             </a:fld>
             <a:endParaRPr lang="en-US"/>
           </a:p>
@@ -4246,7 +4502,7 @@
           <a:p>
             <a:fld id="{5B07E745-2C70-2943-8487-A8F6E88ADF5E}" type="datetimeFigureOut">
               <a:rPr lang="en-US" smtClean="0"/>
-              <a:t>11/22/2022</a:t>
+              <a:t>12/4/2022</a:t>
             </a:fld>
             <a:endParaRPr lang="en-US"/>
           </a:p>
@@ -4341,7 +4597,7 @@
           <a:p>
             <a:fld id="{5B07E745-2C70-2943-8487-A8F6E88ADF5E}" type="datetimeFigureOut">
               <a:rPr lang="en-US" smtClean="0"/>
-              <a:t>11/22/2022</a:t>
+              <a:t>12/4/2022</a:t>
             </a:fld>
             <a:endParaRPr lang="en-US"/>
           </a:p>
@@ -4616,7 +4872,7 @@
           <a:p>
             <a:fld id="{5B07E745-2C70-2943-8487-A8F6E88ADF5E}" type="datetimeFigureOut">
               <a:rPr lang="en-US" smtClean="0"/>
-              <a:t>11/22/2022</a:t>
+              <a:t>12/4/2022</a:t>
             </a:fld>
             <a:endParaRPr lang="en-US"/>
           </a:p>
@@ -4868,7 +5124,7 @@
           <a:p>
             <a:fld id="{5B07E745-2C70-2943-8487-A8F6E88ADF5E}" type="datetimeFigureOut">
               <a:rPr lang="en-US" smtClean="0"/>
-              <a:t>11/22/2022</a:t>
+              <a:t>12/4/2022</a:t>
             </a:fld>
             <a:endParaRPr lang="en-US"/>
           </a:p>
@@ -5079,7 +5335,7 @@
           <a:p>
             <a:fld id="{5B07E745-2C70-2943-8487-A8F6E88ADF5E}" type="datetimeFigureOut">
               <a:rPr lang="en-US" smtClean="0"/>
-              <a:t>11/22/2022</a:t>
+              <a:t>12/4/2022</a:t>
             </a:fld>
             <a:endParaRPr lang="en-US"/>
           </a:p>
@@ -6855,7 +7111,15 @@
           <a:p>
             <a:r>
               <a:rPr lang="en-US" dirty="0"/>
-              <a:t>No method on the string class will modify the content of a String variable</a:t>
+              <a:t>No method on the string class will </a:t>
+            </a:r>
+            <a:r>
+              <a:rPr lang="en-US" b="1" i="1" dirty="0"/>
+              <a:t>modify</a:t>
+            </a:r>
+            <a:r>
+              <a:rPr lang="en-US" dirty="0"/>
+              <a:t> the content of a String variable</a:t>
             </a:r>
           </a:p>
           <a:p>
@@ -6864,7 +7128,7 @@
               <a:t>All methods instead </a:t>
             </a:r>
             <a:r>
-              <a:rPr lang="en-US" i="1" dirty="0"/>
+              <a:rPr lang="en-US" b="1" i="1" dirty="0"/>
               <a:t>return</a:t>
             </a:r>
             <a:r>
@@ -7119,6 +7383,665 @@
 </p:sld>
 </file>
 
+<file path=ppt/slides/slide15.xml><?xml version="1.0" encoding="utf-8"?>
+<p:sld xmlns:a="http://schemas.openxmlformats.org/drawingml/2006/main" xmlns:r="http://schemas.openxmlformats.org/officeDocument/2006/relationships" xmlns:p="http://schemas.openxmlformats.org/presentationml/2006/main">
+  <p:cSld>
+    <p:spTree>
+      <p:nvGrpSpPr>
+        <p:cNvPr id="1" name=""/>
+        <p:cNvGrpSpPr/>
+        <p:nvPr/>
+      </p:nvGrpSpPr>
+      <p:grpSpPr>
+        <a:xfrm>
+          <a:off x="0" y="0"/>
+          <a:ext cx="0" cy="0"/>
+          <a:chOff x="0" y="0"/>
+          <a:chExt cx="0" cy="0"/>
+        </a:xfrm>
+      </p:grpSpPr>
+      <p:sp>
+        <p:nvSpPr>
+          <p:cNvPr id="2" name="Title 1">
+            <a:extLst>
+              <a:ext uri="{FF2B5EF4-FFF2-40B4-BE49-F238E27FC236}">
+                <a16:creationId xmlns:a16="http://schemas.microsoft.com/office/drawing/2014/main" id="{C5C12751-43FE-4DEE-ADCD-1D74BB78F724}"/>
+              </a:ext>
+            </a:extLst>
+          </p:cNvPr>
+          <p:cNvSpPr>
+            <a:spLocks noGrp="1"/>
+          </p:cNvSpPr>
+          <p:nvPr>
+            <p:ph type="title"/>
+          </p:nvPr>
+        </p:nvSpPr>
+        <p:spPr/>
+        <p:txBody>
+          <a:bodyPr/>
+          <a:lstStyle/>
+          <a:p>
+            <a:r>
+              <a:rPr lang="en-US" dirty="0"/>
+              <a:t>Debugging Practice!</a:t>
+            </a:r>
+          </a:p>
+        </p:txBody>
+      </p:sp>
+      <p:sp>
+        <p:nvSpPr>
+          <p:cNvPr id="3" name="Content Placeholder 2">
+            <a:extLst>
+              <a:ext uri="{FF2B5EF4-FFF2-40B4-BE49-F238E27FC236}">
+                <a16:creationId xmlns:a16="http://schemas.microsoft.com/office/drawing/2014/main" id="{2CE110BD-6BE3-8806-EBC7-7EAF0660728B}"/>
+              </a:ext>
+            </a:extLst>
+          </p:cNvPr>
+          <p:cNvSpPr>
+            <a:spLocks noGrp="1"/>
+          </p:cNvSpPr>
+          <p:nvPr>
+            <p:ph idx="1"/>
+          </p:nvPr>
+        </p:nvSpPr>
+        <p:spPr>
+          <a:xfrm>
+            <a:off x="0" y="1637071"/>
+            <a:ext cx="3844413" cy="4525963"/>
+          </a:xfrm>
+        </p:spPr>
+        <p:txBody>
+          <a:bodyPr>
+            <a:normAutofit lnSpcReduction="10000"/>
+          </a:bodyPr>
+          <a:lstStyle/>
+          <a:p>
+            <a:r>
+              <a:rPr lang="en-US" dirty="0"/>
+              <a:t>Try to use the debugger to find the bug in </a:t>
+            </a:r>
+            <a:r>
+              <a:rPr lang="en-US" i="1" dirty="0" err="1"/>
+              <a:t>isArrayDoubled</a:t>
+            </a:r>
+            <a:endParaRPr lang="en-US" i="1" dirty="0"/>
+          </a:p>
+          <a:p>
+            <a:r>
+              <a:rPr lang="en-US" dirty="0"/>
+              <a:t>If you have time, also </a:t>
+            </a:r>
+            <a:r>
+              <a:rPr lang="en-US" i="1" dirty="0" err="1"/>
+              <a:t>kPermutations</a:t>
+            </a:r>
+            <a:r>
+              <a:rPr lang="en-US" dirty="0"/>
+              <a:t> </a:t>
+            </a:r>
+          </a:p>
+          <a:p>
+            <a:r>
+              <a:rPr lang="en-US" dirty="0"/>
+              <a:t>You can also practice catching an Exception</a:t>
+            </a:r>
+            <a:endParaRPr lang="en-US" i="1" dirty="0"/>
+          </a:p>
+        </p:txBody>
+      </p:sp>
+      <p:pic>
+        <p:nvPicPr>
+          <p:cNvPr id="5" name="Picture 4">
+            <a:extLst>
+              <a:ext uri="{FF2B5EF4-FFF2-40B4-BE49-F238E27FC236}">
+                <a16:creationId xmlns:a16="http://schemas.microsoft.com/office/drawing/2014/main" id="{471990F0-373E-30C8-4DB3-027CA20CA751}"/>
+              </a:ext>
+            </a:extLst>
+          </p:cNvPr>
+          <p:cNvPicPr>
+            <a:picLocks noChangeAspect="1"/>
+          </p:cNvPicPr>
+          <p:nvPr/>
+        </p:nvPicPr>
+        <p:blipFill>
+          <a:blip r:embed="rId3"/>
+          <a:stretch>
+            <a:fillRect/>
+          </a:stretch>
+        </p:blipFill>
+        <p:spPr>
+          <a:xfrm>
+            <a:off x="3778631" y="1818150"/>
+            <a:ext cx="5284506" cy="2045031"/>
+          </a:xfrm>
+          <a:prstGeom prst="rect">
+            <a:avLst/>
+          </a:prstGeom>
+        </p:spPr>
+      </p:pic>
+      <mc:AlternateContent xmlns:mc="http://schemas.openxmlformats.org/markup-compatibility/2006">
+        <mc:Choice xmlns:p14="http://schemas.microsoft.com/office/powerpoint/2010/main" Requires="p14">
+          <p:contentPart p14:bwMode="auto" r:id="rId4">
+            <p14:nvContentPartPr>
+              <p14:cNvPr id="6" name="Ink 5">
+                <a:extLst>
+                  <a:ext uri="{FF2B5EF4-FFF2-40B4-BE49-F238E27FC236}">
+                    <a16:creationId xmlns:a16="http://schemas.microsoft.com/office/drawing/2014/main" id="{D4B924ED-D31E-E782-2ED4-2601F258673B}"/>
+                  </a:ext>
+                </a:extLst>
+              </p14:cNvPr>
+              <p14:cNvContentPartPr/>
+              <p14:nvPr/>
+            </p14:nvContentPartPr>
+            <p14:xfrm>
+              <a:off x="3165732" y="2625124"/>
+              <a:ext cx="1480680" cy="596520"/>
+            </p14:xfrm>
+          </p:contentPart>
+        </mc:Choice>
+        <mc:Fallback>
+          <p:pic>
+            <p:nvPicPr>
+              <p:cNvPr id="6" name="Ink 5">
+                <a:extLst>
+                  <a:ext uri="{FF2B5EF4-FFF2-40B4-BE49-F238E27FC236}">
+                    <a16:creationId xmlns:a16="http://schemas.microsoft.com/office/drawing/2014/main" id="{D4B924ED-D31E-E782-2ED4-2601F258673B}"/>
+                  </a:ext>
+                </a:extLst>
+              </p:cNvPr>
+              <p:cNvPicPr/>
+              <p:nvPr/>
+            </p:nvPicPr>
+            <p:blipFill>
+              <a:blip r:embed="rId5"/>
+              <a:stretch>
+                <a:fillRect/>
+              </a:stretch>
+            </p:blipFill>
+            <p:spPr>
+              <a:xfrm>
+                <a:off x="3156732" y="2616124"/>
+                <a:ext cx="1498320" cy="614160"/>
+              </a:xfrm>
+              <a:prstGeom prst="rect">
+                <a:avLst/>
+              </a:prstGeom>
+            </p:spPr>
+          </p:pic>
+        </mc:Fallback>
+      </mc:AlternateContent>
+      <mc:AlternateContent xmlns:mc="http://schemas.openxmlformats.org/markup-compatibility/2006">
+        <mc:Choice xmlns:p14="http://schemas.microsoft.com/office/powerpoint/2010/main" Requires="p14">
+          <p:contentPart p14:bwMode="auto" r:id="rId6">
+            <p14:nvContentPartPr>
+              <p14:cNvPr id="7" name="Ink 6">
+                <a:extLst>
+                  <a:ext uri="{FF2B5EF4-FFF2-40B4-BE49-F238E27FC236}">
+                    <a16:creationId xmlns:a16="http://schemas.microsoft.com/office/drawing/2014/main" id="{8E9CD02D-9E8D-660D-2DBF-81720D282FF1}"/>
+                  </a:ext>
+                </a:extLst>
+              </p14:cNvPr>
+              <p14:cNvContentPartPr/>
+              <p14:nvPr/>
+            </p14:nvContentPartPr>
+            <p14:xfrm>
+              <a:off x="3706452" y="2953804"/>
+              <a:ext cx="949320" cy="1203480"/>
+            </p14:xfrm>
+          </p:contentPart>
+        </mc:Choice>
+        <mc:Fallback>
+          <p:pic>
+            <p:nvPicPr>
+              <p:cNvPr id="7" name="Ink 6">
+                <a:extLst>
+                  <a:ext uri="{FF2B5EF4-FFF2-40B4-BE49-F238E27FC236}">
+                    <a16:creationId xmlns:a16="http://schemas.microsoft.com/office/drawing/2014/main" id="{8E9CD02D-9E8D-660D-2DBF-81720D282FF1}"/>
+                  </a:ext>
+                </a:extLst>
+              </p:cNvPr>
+              <p:cNvPicPr/>
+              <p:nvPr/>
+            </p:nvPicPr>
+            <p:blipFill>
+              <a:blip r:embed="rId7"/>
+              <a:stretch>
+                <a:fillRect/>
+              </a:stretch>
+            </p:blipFill>
+            <p:spPr>
+              <a:xfrm>
+                <a:off x="3697452" y="2945164"/>
+                <a:ext cx="966960" cy="1221120"/>
+              </a:xfrm>
+              <a:prstGeom prst="rect">
+                <a:avLst/>
+              </a:prstGeom>
+            </p:spPr>
+          </p:pic>
+        </mc:Fallback>
+      </mc:AlternateContent>
+      <mc:AlternateContent xmlns:mc="http://schemas.openxmlformats.org/markup-compatibility/2006">
+        <mc:Choice xmlns:p14="http://schemas.microsoft.com/office/powerpoint/2010/main" Requires="p14">
+          <p:contentPart p14:bwMode="auto" r:id="rId8">
+            <p14:nvContentPartPr>
+              <p14:cNvPr id="8" name="Ink 7">
+                <a:extLst>
+                  <a:ext uri="{FF2B5EF4-FFF2-40B4-BE49-F238E27FC236}">
+                    <a16:creationId xmlns:a16="http://schemas.microsoft.com/office/drawing/2014/main" id="{A426FBBE-2281-D31F-645B-58578A2C22A3}"/>
+                  </a:ext>
+                </a:extLst>
+              </p14:cNvPr>
+              <p14:cNvContentPartPr/>
+              <p14:nvPr/>
+            </p14:nvContentPartPr>
+            <p14:xfrm>
+              <a:off x="2585412" y="3342964"/>
+              <a:ext cx="2050200" cy="2271600"/>
+            </p14:xfrm>
+          </p:contentPart>
+        </mc:Choice>
+        <mc:Fallback>
+          <p:pic>
+            <p:nvPicPr>
+              <p:cNvPr id="8" name="Ink 7">
+                <a:extLst>
+                  <a:ext uri="{FF2B5EF4-FFF2-40B4-BE49-F238E27FC236}">
+                    <a16:creationId xmlns:a16="http://schemas.microsoft.com/office/drawing/2014/main" id="{A426FBBE-2281-D31F-645B-58578A2C22A3}"/>
+                  </a:ext>
+                </a:extLst>
+              </p:cNvPr>
+              <p:cNvPicPr/>
+              <p:nvPr/>
+            </p:nvPicPr>
+            <p:blipFill>
+              <a:blip r:embed="rId9"/>
+              <a:stretch>
+                <a:fillRect/>
+              </a:stretch>
+            </p:blipFill>
+            <p:spPr>
+              <a:xfrm>
+                <a:off x="2576772" y="3333964"/>
+                <a:ext cx="2067840" cy="2289240"/>
+              </a:xfrm>
+              <a:prstGeom prst="rect">
+                <a:avLst/>
+              </a:prstGeom>
+            </p:spPr>
+          </p:pic>
+        </mc:Fallback>
+      </mc:AlternateContent>
+      <p:pic>
+        <p:nvPicPr>
+          <p:cNvPr id="10" name="Picture 9">
+            <a:extLst>
+              <a:ext uri="{FF2B5EF4-FFF2-40B4-BE49-F238E27FC236}">
+                <a16:creationId xmlns:a16="http://schemas.microsoft.com/office/drawing/2014/main" id="{50C39248-2F65-3D16-2268-6FDF4DA44966}"/>
+              </a:ext>
+            </a:extLst>
+          </p:cNvPr>
+          <p:cNvPicPr>
+            <a:picLocks noChangeAspect="1"/>
+          </p:cNvPicPr>
+          <p:nvPr/>
+        </p:nvPicPr>
+        <p:blipFill>
+          <a:blip r:embed="rId10"/>
+          <a:stretch>
+            <a:fillRect/>
+          </a:stretch>
+        </p:blipFill>
+        <p:spPr>
+          <a:xfrm>
+            <a:off x="358609" y="5933796"/>
+            <a:ext cx="8249801" cy="752580"/>
+          </a:xfrm>
+          <a:prstGeom prst="rect">
+            <a:avLst/>
+          </a:prstGeom>
+        </p:spPr>
+      </p:pic>
+      <mc:AlternateContent xmlns:mc="http://schemas.openxmlformats.org/markup-compatibility/2006">
+        <mc:Choice xmlns:p14="http://schemas.microsoft.com/office/powerpoint/2010/main" Requires="p14">
+          <p:contentPart p14:bwMode="auto" r:id="rId11">
+            <p14:nvContentPartPr>
+              <p14:cNvPr id="11" name="Ink 10">
+                <a:extLst>
+                  <a:ext uri="{FF2B5EF4-FFF2-40B4-BE49-F238E27FC236}">
+                    <a16:creationId xmlns:a16="http://schemas.microsoft.com/office/drawing/2014/main" id="{E9BFC0BB-C1F3-77A0-F02D-8361BDC70A70}"/>
+                  </a:ext>
+                </a:extLst>
+              </p14:cNvPr>
+              <p14:cNvContentPartPr/>
+              <p14:nvPr/>
+            </p14:nvContentPartPr>
+            <p14:xfrm>
+              <a:off x="2132137" y="5594044"/>
+              <a:ext cx="768600" cy="696600"/>
+            </p14:xfrm>
+          </p:contentPart>
+        </mc:Choice>
+        <mc:Fallback>
+          <p:pic>
+            <p:nvPicPr>
+              <p:cNvPr id="11" name="Ink 10">
+                <a:extLst>
+                  <a:ext uri="{FF2B5EF4-FFF2-40B4-BE49-F238E27FC236}">
+                    <a16:creationId xmlns:a16="http://schemas.microsoft.com/office/drawing/2014/main" id="{E9BFC0BB-C1F3-77A0-F02D-8361BDC70A70}"/>
+                  </a:ext>
+                </a:extLst>
+              </p:cNvPr>
+              <p:cNvPicPr/>
+              <p:nvPr/>
+            </p:nvPicPr>
+            <p:blipFill>
+              <a:blip r:embed="rId12"/>
+              <a:stretch>
+                <a:fillRect/>
+              </a:stretch>
+            </p:blipFill>
+            <p:spPr>
+              <a:xfrm>
+                <a:off x="2123137" y="5585044"/>
+                <a:ext cx="786240" cy="714240"/>
+              </a:xfrm>
+              <a:prstGeom prst="rect">
+                <a:avLst/>
+              </a:prstGeom>
+            </p:spPr>
+          </p:pic>
+        </mc:Fallback>
+      </mc:AlternateContent>
+      <mc:AlternateContent xmlns:mc="http://schemas.openxmlformats.org/markup-compatibility/2006">
+        <mc:Choice xmlns:p14="http://schemas.microsoft.com/office/powerpoint/2010/main" Requires="p14">
+          <p:contentPart p14:bwMode="auto" r:id="rId13">
+            <p14:nvContentPartPr>
+              <p14:cNvPr id="12" name="Ink 11">
+                <a:extLst>
+                  <a:ext uri="{FF2B5EF4-FFF2-40B4-BE49-F238E27FC236}">
+                    <a16:creationId xmlns:a16="http://schemas.microsoft.com/office/drawing/2014/main" id="{77642963-CC15-1B11-1E89-FDA89190CD9D}"/>
+                  </a:ext>
+                </a:extLst>
+              </p14:cNvPr>
+              <p14:cNvContentPartPr/>
+              <p14:nvPr/>
+            </p14:nvContentPartPr>
+            <p14:xfrm>
+              <a:off x="2831257" y="5614204"/>
+              <a:ext cx="4493520" cy="733680"/>
+            </p14:xfrm>
+          </p:contentPart>
+        </mc:Choice>
+        <mc:Fallback>
+          <p:pic>
+            <p:nvPicPr>
+              <p:cNvPr id="12" name="Ink 11">
+                <a:extLst>
+                  <a:ext uri="{FF2B5EF4-FFF2-40B4-BE49-F238E27FC236}">
+                    <a16:creationId xmlns:a16="http://schemas.microsoft.com/office/drawing/2014/main" id="{77642963-CC15-1B11-1E89-FDA89190CD9D}"/>
+                  </a:ext>
+                </a:extLst>
+              </p:cNvPr>
+              <p:cNvPicPr/>
+              <p:nvPr/>
+            </p:nvPicPr>
+            <p:blipFill>
+              <a:blip r:embed="rId14"/>
+              <a:stretch>
+                <a:fillRect/>
+              </a:stretch>
+            </p:blipFill>
+            <p:spPr>
+              <a:xfrm>
+                <a:off x="2822617" y="5605204"/>
+                <a:ext cx="4511160" cy="751320"/>
+              </a:xfrm>
+              <a:prstGeom prst="rect">
+                <a:avLst/>
+              </a:prstGeom>
+            </p:spPr>
+          </p:pic>
+        </mc:Fallback>
+      </mc:AlternateContent>
+    </p:spTree>
+    <p:extLst>
+      <p:ext uri="{BB962C8B-B14F-4D97-AF65-F5344CB8AC3E}">
+        <p14:creationId xmlns:p14="http://schemas.microsoft.com/office/powerpoint/2010/main" val="2794941648"/>
+      </p:ext>
+    </p:extLst>
+  </p:cSld>
+  <p:clrMapOvr>
+    <a:masterClrMapping/>
+  </p:clrMapOvr>
+</p:sld>
+</file>
+
+<file path=ppt/slides/slide16.xml><?xml version="1.0" encoding="utf-8"?>
+<p:sld xmlns:a="http://schemas.openxmlformats.org/drawingml/2006/main" xmlns:r="http://schemas.openxmlformats.org/officeDocument/2006/relationships" xmlns:p="http://schemas.openxmlformats.org/presentationml/2006/main">
+  <p:cSld>
+    <p:spTree>
+      <p:nvGrpSpPr>
+        <p:cNvPr id="1" name=""/>
+        <p:cNvGrpSpPr/>
+        <p:nvPr/>
+      </p:nvGrpSpPr>
+      <p:grpSpPr>
+        <a:xfrm>
+          <a:off x="0" y="0"/>
+          <a:ext cx="0" cy="0"/>
+          <a:chOff x="0" y="0"/>
+          <a:chExt cx="0" cy="0"/>
+        </a:xfrm>
+      </p:grpSpPr>
+      <p:sp>
+        <p:nvSpPr>
+          <p:cNvPr id="4" name="Title 1">
+            <a:extLst>
+              <a:ext uri="{FF2B5EF4-FFF2-40B4-BE49-F238E27FC236}">
+                <a16:creationId xmlns:a16="http://schemas.microsoft.com/office/drawing/2014/main" id="{2ACEF342-F65E-F740-5517-747A4D39AD90}"/>
+              </a:ext>
+            </a:extLst>
+          </p:cNvPr>
+          <p:cNvSpPr>
+            <a:spLocks noGrp="1"/>
+          </p:cNvSpPr>
+          <p:nvPr>
+            <p:ph type="title"/>
+          </p:nvPr>
+        </p:nvSpPr>
+        <p:spPr>
+          <a:xfrm>
+            <a:off x="457200" y="274638"/>
+            <a:ext cx="8229600" cy="1143000"/>
+          </a:xfrm>
+        </p:spPr>
+        <p:txBody>
+          <a:bodyPr/>
+          <a:lstStyle/>
+          <a:p>
+            <a:r>
+              <a:rPr lang="en-US" dirty="0"/>
+              <a:t>More Debugging Practice!</a:t>
+            </a:r>
+          </a:p>
+        </p:txBody>
+      </p:sp>
+      <p:sp>
+        <p:nvSpPr>
+          <p:cNvPr id="5" name="Content Placeholder 15">
+            <a:extLst>
+              <a:ext uri="{FF2B5EF4-FFF2-40B4-BE49-F238E27FC236}">
+                <a16:creationId xmlns:a16="http://schemas.microsoft.com/office/drawing/2014/main" id="{9AB21678-B358-4731-D097-005EC7B047EB}"/>
+              </a:ext>
+            </a:extLst>
+          </p:cNvPr>
+          <p:cNvSpPr>
+            <a:spLocks noGrp="1"/>
+          </p:cNvSpPr>
+          <p:nvPr>
+            <p:ph idx="1"/>
+          </p:nvPr>
+        </p:nvSpPr>
+        <p:spPr>
+          <a:xfrm>
+            <a:off x="457200" y="1600200"/>
+            <a:ext cx="8229600" cy="4983161"/>
+          </a:xfrm>
+        </p:spPr>
+        <p:txBody>
+          <a:bodyPr/>
+          <a:lstStyle/>
+          <a:p>
+            <a:pPr marL="0" indent="0">
+              <a:buNone/>
+            </a:pPr>
+            <a:r>
+              <a:rPr lang="en-US" dirty="0"/>
+              <a:t>Can be called on a main method as well!</a:t>
+            </a:r>
+          </a:p>
+          <a:p>
+            <a:pPr marL="0" indent="0">
+              <a:buNone/>
+            </a:pPr>
+            <a:endParaRPr lang="en-US" dirty="0"/>
+          </a:p>
+          <a:p>
+            <a:pPr marL="0" indent="0">
+              <a:buNone/>
+            </a:pPr>
+            <a:endParaRPr lang="en-US" dirty="0"/>
+          </a:p>
+          <a:p>
+            <a:pPr marL="0" indent="0">
+              <a:buNone/>
+            </a:pPr>
+            <a:endParaRPr lang="en-US" dirty="0"/>
+          </a:p>
+          <a:p>
+            <a:pPr marL="0" indent="0">
+              <a:buNone/>
+            </a:pPr>
+            <a:r>
+              <a:rPr lang="en-US" dirty="0"/>
+              <a:t>Use this for extra practice</a:t>
+            </a:r>
+          </a:p>
+          <a:p>
+            <a:pPr marL="0" indent="0">
+              <a:buNone/>
+            </a:pPr>
+            <a:r>
+              <a:rPr lang="en-US" dirty="0"/>
+              <a:t>Set breakpoint on main</a:t>
+            </a:r>
+          </a:p>
+          <a:p>
+            <a:pPr marL="0" indent="0">
+              <a:buNone/>
+            </a:pPr>
+            <a:r>
+              <a:rPr lang="en-US" dirty="0"/>
+              <a:t>method calls ( </a:t>
+            </a:r>
+            <a:r>
+              <a:rPr lang="en-US" dirty="0">
+                <a:latin typeface="Consolas" panose="020B0609020204030204" pitchFamily="49" charset="0"/>
+              </a:rPr>
+              <a:t>hasABug1()</a:t>
+            </a:r>
+            <a:r>
+              <a:rPr lang="en-US" dirty="0"/>
+              <a:t> ) and then step into methods to see what goes wrong!</a:t>
+            </a:r>
+          </a:p>
+          <a:p>
+            <a:pPr marL="0" indent="0">
+              <a:buNone/>
+            </a:pPr>
+            <a:endParaRPr lang="en-US" dirty="0"/>
+          </a:p>
+        </p:txBody>
+      </p:sp>
+      <p:pic>
+        <p:nvPicPr>
+          <p:cNvPr id="7" name="Picture 6">
+            <a:extLst>
+              <a:ext uri="{FF2B5EF4-FFF2-40B4-BE49-F238E27FC236}">
+                <a16:creationId xmlns:a16="http://schemas.microsoft.com/office/drawing/2014/main" id="{25C8C874-E891-4308-1954-5CB5916E0BFF}"/>
+              </a:ext>
+            </a:extLst>
+          </p:cNvPr>
+          <p:cNvPicPr>
+            <a:picLocks noChangeAspect="1"/>
+          </p:cNvPicPr>
+          <p:nvPr/>
+        </p:nvPicPr>
+        <p:blipFill>
+          <a:blip r:embed="rId2"/>
+          <a:stretch>
+            <a:fillRect/>
+          </a:stretch>
+        </p:blipFill>
+        <p:spPr>
+          <a:xfrm>
+            <a:off x="293233" y="2245891"/>
+            <a:ext cx="7240010" cy="1676634"/>
+          </a:xfrm>
+          <a:prstGeom prst="rect">
+            <a:avLst/>
+          </a:prstGeom>
+        </p:spPr>
+      </p:pic>
+      <p:pic>
+        <p:nvPicPr>
+          <p:cNvPr id="6" name="Picture 5">
+            <a:extLst>
+              <a:ext uri="{FF2B5EF4-FFF2-40B4-BE49-F238E27FC236}">
+                <a16:creationId xmlns:a16="http://schemas.microsoft.com/office/drawing/2014/main" id="{965234A6-369D-822E-9F5A-90421FF627DA}"/>
+              </a:ext>
+            </a:extLst>
+          </p:cNvPr>
+          <p:cNvPicPr>
+            <a:picLocks noChangeAspect="1"/>
+          </p:cNvPicPr>
+          <p:nvPr/>
+        </p:nvPicPr>
+        <p:blipFill>
+          <a:blip r:embed="rId3"/>
+          <a:stretch>
+            <a:fillRect/>
+          </a:stretch>
+        </p:blipFill>
+        <p:spPr>
+          <a:xfrm>
+            <a:off x="5065226" y="2767820"/>
+            <a:ext cx="3621574" cy="2309409"/>
+          </a:xfrm>
+          <a:prstGeom prst="rect">
+            <a:avLst/>
+          </a:prstGeom>
+          <a:ln>
+            <a:solidFill>
+              <a:schemeClr val="tx1"/>
+            </a:solidFill>
+          </a:ln>
+        </p:spPr>
+      </p:pic>
+    </p:spTree>
+    <p:extLst>
+      <p:ext uri="{BB962C8B-B14F-4D97-AF65-F5344CB8AC3E}">
+        <p14:creationId xmlns:p14="http://schemas.microsoft.com/office/powerpoint/2010/main" val="2131331489"/>
+      </p:ext>
+    </p:extLst>
+  </p:cSld>
+  <p:clrMapOvr>
+    <a:masterClrMapping/>
+  </p:clrMapOvr>
+</p:sld>
+</file>
+
 <file path=ppt/slides/slide2.xml><?xml version="1.0" encoding="utf-8"?>
 <p:sld xmlns:a="http://schemas.openxmlformats.org/drawingml/2006/main" xmlns:r="http://schemas.openxmlformats.org/officeDocument/2006/relationships" xmlns:p="http://schemas.openxmlformats.org/presentationml/2006/main">
   <p:cSld>
@@ -7576,9 +8499,12 @@
             </a:r>
             <a:r>
               <a:rPr lang="en" sz="2800" dirty="0"/>
-              <a:t> - Dr. Yoder</a:t>
-            </a:r>
-            <a:endParaRPr sz="2800" dirty="0"/>
+              <a:t> </a:t>
+            </a:r>
+            <a:r>
+              <a:rPr lang="en-US" sz="2800" dirty="0"/>
+              <a:t> </a:t>
+            </a:r>
           </a:p>
           <a:p>
             <a:pPr lvl="1" indent="-361950">
@@ -7587,20 +8513,59 @@
               <a:buChar char="○"/>
             </a:pPr>
             <a:r>
-              <a:rPr lang="en" dirty="0">
+              <a:rPr lang="en-US" dirty="0" err="1">
                 <a:latin typeface="Consolas"/>
                 <a:ea typeface="Consolas"/>
                 <a:cs typeface="Consolas"/>
                 <a:sym typeface="Consolas"/>
               </a:rPr>
-              <a:t>System.out.println("myVar: " + myVar );</a:t>
-            </a:r>
-            <a:endParaRPr dirty="0">
-              <a:latin typeface="Consolas"/>
-              <a:ea typeface="Consolas"/>
-              <a:cs typeface="Consolas"/>
-              <a:sym typeface="Consolas"/>
-            </a:endParaRPr>
+              <a:t>System.out.println</a:t>
+            </a:r>
+            <a:r>
+              <a:rPr lang="en-US" dirty="0">
+                <a:latin typeface="Consolas"/>
+                <a:ea typeface="Consolas"/>
+                <a:cs typeface="Consolas"/>
+                <a:sym typeface="Consolas"/>
+              </a:rPr>
+              <a:t>("</a:t>
+            </a:r>
+            <a:r>
+              <a:rPr lang="en-US" dirty="0" err="1">
+                <a:latin typeface="Consolas"/>
+                <a:ea typeface="Consolas"/>
+                <a:cs typeface="Consolas"/>
+                <a:sym typeface="Consolas"/>
+              </a:rPr>
+              <a:t>myVar</a:t>
+            </a:r>
+            <a:r>
+              <a:rPr lang="en-US" dirty="0">
+                <a:latin typeface="Consolas"/>
+                <a:ea typeface="Consolas"/>
+                <a:cs typeface="Consolas"/>
+                <a:sym typeface="Consolas"/>
+              </a:rPr>
+              <a:t>: " + </a:t>
+            </a:r>
+            <a:r>
+              <a:rPr lang="en-US" dirty="0" err="1">
+                <a:latin typeface="Consolas"/>
+                <a:ea typeface="Consolas"/>
+                <a:cs typeface="Consolas"/>
+                <a:sym typeface="Consolas"/>
+              </a:rPr>
+              <a:t>myVar</a:t>
+            </a:r>
+            <a:r>
+              <a:rPr lang="en-US" dirty="0">
+                <a:latin typeface="Consolas"/>
+                <a:ea typeface="Consolas"/>
+                <a:cs typeface="Consolas"/>
+                <a:sym typeface="Consolas"/>
+              </a:rPr>
+              <a:t> );</a:t>
+            </a:r>
           </a:p>
           <a:p>
             <a:pPr lvl="1" indent="-361950">
@@ -7797,10 +8762,10 @@
       </p:pic>
       <p:sp>
         <p:nvSpPr>
-          <p:cNvPr id="5" name="Google Shape;102;p24">
+          <p:cNvPr id="6" name="Google Shape;102;p24">
             <a:extLst>
               <a:ext uri="{FF2B5EF4-FFF2-40B4-BE49-F238E27FC236}">
-                <a16:creationId xmlns:a16="http://schemas.microsoft.com/office/drawing/2014/main" id="{7C8B234A-8999-C9ED-9120-01BB6F2CCA78}"/>
+                <a16:creationId xmlns:a16="http://schemas.microsoft.com/office/drawing/2014/main" id="{212C8FFD-F753-491A-C64C-791724D4454D}"/>
               </a:ext>
             </a:extLst>
           </p:cNvPr>
@@ -7811,8 +8776,8 @@
         </p:nvSpPr>
         <p:spPr>
           <a:xfrm>
-            <a:off x="-75806" y="2829767"/>
-            <a:ext cx="4404000" cy="817200"/>
+            <a:off x="-75807" y="4913748"/>
+            <a:ext cx="4404000" cy="1535651"/>
           </a:xfrm>
           <a:prstGeom prst="rect">
             <a:avLst/>
@@ -8016,233 +8981,7 @@
                   <a:srgbClr val="840629"/>
                 </a:solidFill>
               </a:rPr>
-              <a:t>Did I “meme” this right?</a:t>
-            </a:r>
-          </a:p>
-        </p:txBody>
-      </p:sp>
-      <p:sp>
-        <p:nvSpPr>
-          <p:cNvPr id="6" name="Google Shape;102;p24">
-            <a:extLst>
-              <a:ext uri="{FF2B5EF4-FFF2-40B4-BE49-F238E27FC236}">
-                <a16:creationId xmlns:a16="http://schemas.microsoft.com/office/drawing/2014/main" id="{212C8FFD-F753-491A-C64C-791724D4454D}"/>
-              </a:ext>
-            </a:extLst>
-          </p:cNvPr>
-          <p:cNvSpPr txBox="1">
-            <a:spLocks/>
-          </p:cNvSpPr>
-          <p:nvPr/>
-        </p:nvSpPr>
-        <p:spPr>
-          <a:xfrm>
-            <a:off x="-75807" y="4913748"/>
-            <a:ext cx="4404000" cy="1535651"/>
-          </a:xfrm>
-          <a:prstGeom prst="rect">
-            <a:avLst/>
-          </a:prstGeom>
-          <a:noFill/>
-          <a:ln>
-            <a:noFill/>
-          </a:ln>
-        </p:spPr>
-        <p:txBody>
-          <a:bodyPr spcFirstLastPara="1" vert="horz" wrap="square" lIns="91425" tIns="91425" rIns="91425" bIns="91425" rtlCol="0" anchor="b" anchorCtr="0">
-            <a:noAutofit/>
-          </a:bodyPr>
-          <a:lstStyle>
-            <a:lvl1pPr lvl="0" algn="l" defTabSz="457200" rtl="0" eaLnBrk="1" latinLnBrk="0" hangingPunct="1">
-              <a:spcBef>
-                <a:spcPts val="0"/>
-              </a:spcBef>
-              <a:spcAft>
-                <a:spcPts val="0"/>
-              </a:spcAft>
-              <a:buSzPts val="3600"/>
-              <a:buFont typeface="Arial"/>
-              <a:buNone/>
-              <a:defRPr sz="3600" b="1" kern="1200">
-                <a:solidFill>
-                  <a:schemeClr val="dk1"/>
-                </a:solidFill>
-                <a:latin typeface="Arial"/>
-                <a:ea typeface="Arial"/>
-                <a:cs typeface="Arial"/>
-                <a:sym typeface="Arial"/>
-              </a:defRPr>
-            </a:lvl1pPr>
-            <a:lvl2pPr lvl="1" algn="l" rtl="0">
-              <a:spcBef>
-                <a:spcPts val="0"/>
-              </a:spcBef>
-              <a:spcAft>
-                <a:spcPts val="0"/>
-              </a:spcAft>
-              <a:buSzPts val="3600"/>
-              <a:buFont typeface="Arial"/>
-              <a:buNone/>
-              <a:defRPr sz="3600" b="1">
-                <a:solidFill>
-                  <a:schemeClr val="dk1"/>
-                </a:solidFill>
-                <a:latin typeface="Arial"/>
-                <a:ea typeface="Arial"/>
-                <a:cs typeface="Arial"/>
-                <a:sym typeface="Arial"/>
-              </a:defRPr>
-            </a:lvl2pPr>
-            <a:lvl3pPr lvl="2" algn="l" rtl="0">
-              <a:spcBef>
-                <a:spcPts val="0"/>
-              </a:spcBef>
-              <a:spcAft>
-                <a:spcPts val="0"/>
-              </a:spcAft>
-              <a:buSzPts val="3600"/>
-              <a:buFont typeface="Arial"/>
-              <a:buNone/>
-              <a:defRPr sz="3600" b="1">
-                <a:solidFill>
-                  <a:schemeClr val="dk1"/>
-                </a:solidFill>
-                <a:latin typeface="Arial"/>
-                <a:ea typeface="Arial"/>
-                <a:cs typeface="Arial"/>
-                <a:sym typeface="Arial"/>
-              </a:defRPr>
-            </a:lvl3pPr>
-            <a:lvl4pPr lvl="3" algn="l" rtl="0">
-              <a:spcBef>
-                <a:spcPts val="0"/>
-              </a:spcBef>
-              <a:spcAft>
-                <a:spcPts val="0"/>
-              </a:spcAft>
-              <a:buSzPts val="3600"/>
-              <a:buFont typeface="Arial"/>
-              <a:buNone/>
-              <a:defRPr sz="3600" b="1">
-                <a:solidFill>
-                  <a:schemeClr val="dk1"/>
-                </a:solidFill>
-                <a:latin typeface="Arial"/>
-                <a:ea typeface="Arial"/>
-                <a:cs typeface="Arial"/>
-                <a:sym typeface="Arial"/>
-              </a:defRPr>
-            </a:lvl4pPr>
-            <a:lvl5pPr lvl="4" algn="l" rtl="0">
-              <a:spcBef>
-                <a:spcPts val="0"/>
-              </a:spcBef>
-              <a:spcAft>
-                <a:spcPts val="0"/>
-              </a:spcAft>
-              <a:buSzPts val="3600"/>
-              <a:buFont typeface="Arial"/>
-              <a:buNone/>
-              <a:defRPr sz="3600" b="1">
-                <a:solidFill>
-                  <a:schemeClr val="dk1"/>
-                </a:solidFill>
-                <a:latin typeface="Arial"/>
-                <a:ea typeface="Arial"/>
-                <a:cs typeface="Arial"/>
-                <a:sym typeface="Arial"/>
-              </a:defRPr>
-            </a:lvl5pPr>
-            <a:lvl6pPr lvl="5" algn="l" rtl="0">
-              <a:spcBef>
-                <a:spcPts val="0"/>
-              </a:spcBef>
-              <a:spcAft>
-                <a:spcPts val="0"/>
-              </a:spcAft>
-              <a:buSzPts val="3600"/>
-              <a:buFont typeface="Arial"/>
-              <a:buNone/>
-              <a:defRPr sz="3600" b="1">
-                <a:solidFill>
-                  <a:schemeClr val="dk1"/>
-                </a:solidFill>
-                <a:latin typeface="Arial"/>
-                <a:ea typeface="Arial"/>
-                <a:cs typeface="Arial"/>
-                <a:sym typeface="Arial"/>
-              </a:defRPr>
-            </a:lvl6pPr>
-            <a:lvl7pPr lvl="6" algn="l" rtl="0">
-              <a:spcBef>
-                <a:spcPts val="0"/>
-              </a:spcBef>
-              <a:spcAft>
-                <a:spcPts val="0"/>
-              </a:spcAft>
-              <a:buSzPts val="3600"/>
-              <a:buFont typeface="Arial"/>
-              <a:buNone/>
-              <a:defRPr sz="3600" b="1">
-                <a:solidFill>
-                  <a:schemeClr val="dk1"/>
-                </a:solidFill>
-                <a:latin typeface="Arial"/>
-                <a:ea typeface="Arial"/>
-                <a:cs typeface="Arial"/>
-                <a:sym typeface="Arial"/>
-              </a:defRPr>
-            </a:lvl7pPr>
-            <a:lvl8pPr lvl="7" algn="l" rtl="0">
-              <a:spcBef>
-                <a:spcPts val="0"/>
-              </a:spcBef>
-              <a:spcAft>
-                <a:spcPts val="0"/>
-              </a:spcAft>
-              <a:buSzPts val="3600"/>
-              <a:buFont typeface="Arial"/>
-              <a:buNone/>
-              <a:defRPr sz="3600" b="1">
-                <a:solidFill>
-                  <a:schemeClr val="dk1"/>
-                </a:solidFill>
-                <a:latin typeface="Arial"/>
-                <a:ea typeface="Arial"/>
-                <a:cs typeface="Arial"/>
-                <a:sym typeface="Arial"/>
-              </a:defRPr>
-            </a:lvl8pPr>
-            <a:lvl9pPr lvl="8" algn="l" rtl="0">
-              <a:spcBef>
-                <a:spcPts val="0"/>
-              </a:spcBef>
-              <a:spcAft>
-                <a:spcPts val="0"/>
-              </a:spcAft>
-              <a:buSzPts val="3600"/>
-              <a:buFont typeface="Arial"/>
-              <a:buNone/>
-              <a:defRPr sz="3600" b="1">
-                <a:solidFill>
-                  <a:schemeClr val="dk1"/>
-                </a:solidFill>
-                <a:latin typeface="Arial"/>
-                <a:ea typeface="Arial"/>
-                <a:cs typeface="Arial"/>
-                <a:sym typeface="Arial"/>
-              </a:defRPr>
-            </a:lvl9pPr>
-          </a:lstStyle>
-          <a:p>
-            <a:pPr algn="ctr"/>
-            <a:r>
-              <a:rPr lang="en-US" sz="2800" dirty="0">
-                <a:solidFill>
-                  <a:srgbClr val="840629"/>
-                </a:solidFill>
-              </a:rPr>
-              <a:t>Can you make your own CSSE220 meme? Send it to me this week!</a:t>
+              <a:t>Want to make your own CSSE220 meme? Send it to me this week!</a:t>
             </a:r>
           </a:p>
         </p:txBody>
@@ -8289,8 +9028,8 @@
         </p:nvSpPr>
         <p:spPr>
           <a:xfrm>
-            <a:off x="457200" y="1600200"/>
-            <a:ext cx="8229600" cy="4525963"/>
+            <a:off x="457200" y="5072332"/>
+            <a:ext cx="8229600" cy="1337094"/>
           </a:xfrm>
           <a:prstGeom prst="rect">
             <a:avLst/>
@@ -8310,6 +9049,42 @@
               <a:buNone/>
               <a:defRPr sz="1800"/>
             </a:pPr>
+            <a:r>
+              <a:rPr lang="en-US" sz="2900" dirty="0"/>
+              <a:t>Set a breakpoint on the line where a </a:t>
+            </a:r>
+            <a:r>
+              <a:rPr lang="en-US" sz="2900" u="sng" dirty="0"/>
+              <a:t>test case fails</a:t>
+            </a:r>
+            <a:r>
+              <a:rPr lang="en-US" sz="2900" dirty="0"/>
+              <a:t>!</a:t>
+            </a:r>
+          </a:p>
+          <a:p>
+            <a:pPr marL="0" lvl="0" indent="0">
+              <a:lnSpc>
+                <a:spcPct val="80000"/>
+              </a:lnSpc>
+              <a:spcBef>
+                <a:spcPts val="600"/>
+              </a:spcBef>
+              <a:buNone/>
+              <a:defRPr sz="1800"/>
+            </a:pPr>
+            <a:r>
+              <a:rPr lang="en-US" sz="2900" dirty="0"/>
+              <a:t>Then you can pause the execution of the program and </a:t>
+            </a:r>
+            <a:r>
+              <a:rPr lang="en-US" sz="2900" u="sng" dirty="0"/>
+              <a:t>WATCH</a:t>
+            </a:r>
+            <a:r>
+              <a:rPr lang="en-US" sz="2900" dirty="0"/>
+              <a:t> what goes wrong.</a:t>
+            </a:r>
             <a:endParaRPr sz="2900" dirty="0"/>
           </a:p>
         </p:txBody>

--- a/ClassMaterials/ObjectIntroAndMisc/Slides/Part2-UsingDebugger.pptx
+++ b/ClassMaterials/ObjectIntroAndMisc/Slides/Part2-UsingDebugger.pptx
@@ -5,7 +5,7 @@
     <p:sldMasterId id="2147483648" r:id="rId4"/>
   </p:sldMasterIdLst>
   <p:notesMasterIdLst>
-    <p:notesMasterId r:id="rId21"/>
+    <p:notesMasterId r:id="rId24"/>
   </p:notesMasterIdLst>
   <p:sldIdLst>
     <p:sldId id="256" r:id="rId5"/>
@@ -24,6 +24,9 @@
     <p:sldId id="305" r:id="rId18"/>
     <p:sldId id="342" r:id="rId19"/>
     <p:sldId id="344" r:id="rId20"/>
+    <p:sldId id="347" r:id="rId21"/>
+    <p:sldId id="345" r:id="rId22"/>
+    <p:sldId id="346" r:id="rId23"/>
   </p:sldIdLst>
   <p:sldSz cx="9144000" cy="6858000" type="screen4x3"/>
   <p:notesSz cx="6858000" cy="9144000"/>
@@ -406,7 +409,7 @@
           <a:p>
             <a:fld id="{73386005-8F80-1A49-87D1-22EBFA47E352}" type="datetimeFigureOut">
               <a:rPr lang="en-US" smtClean="0"/>
-              <a:t>12/4/2022</a:t>
+              <a:t>12/3/2023</a:t>
             </a:fld>
             <a:endParaRPr lang="en-US"/>
           </a:p>
@@ -2545,7 +2548,7 @@
           <a:p>
             <a:fld id="{5B07E745-2C70-2943-8487-A8F6E88ADF5E}" type="datetimeFigureOut">
               <a:rPr lang="en-US" smtClean="0"/>
-              <a:t>12/4/2022</a:t>
+              <a:t>12/3/2023</a:t>
             </a:fld>
             <a:endParaRPr lang="en-US"/>
           </a:p>
@@ -2713,7 +2716,7 @@
           <a:p>
             <a:fld id="{5B07E745-2C70-2943-8487-A8F6E88ADF5E}" type="datetimeFigureOut">
               <a:rPr lang="en-US" smtClean="0"/>
-              <a:t>12/4/2022</a:t>
+              <a:t>12/3/2023</a:t>
             </a:fld>
             <a:endParaRPr lang="en-US"/>
           </a:p>
@@ -2891,7 +2894,7 @@
           <a:p>
             <a:fld id="{5B07E745-2C70-2943-8487-A8F6E88ADF5E}" type="datetimeFigureOut">
               <a:rPr lang="en-US" smtClean="0"/>
-              <a:t>12/4/2022</a:t>
+              <a:t>12/3/2023</a:t>
             </a:fld>
             <a:endParaRPr lang="en-US"/>
           </a:p>
@@ -3436,7 +3439,7 @@
           <a:p>
             <a:fld id="{5B07E745-2C70-2943-8487-A8F6E88ADF5E}" type="datetimeFigureOut">
               <a:rPr lang="en-US" smtClean="0"/>
-              <a:t>12/4/2022</a:t>
+              <a:t>12/3/2023</a:t>
             </a:fld>
             <a:endParaRPr lang="en-US"/>
           </a:p>
@@ -3681,7 +3684,7 @@
           <a:p>
             <a:fld id="{5B07E745-2C70-2943-8487-A8F6E88ADF5E}" type="datetimeFigureOut">
               <a:rPr lang="en-US" smtClean="0"/>
-              <a:t>12/4/2022</a:t>
+              <a:t>12/3/2023</a:t>
             </a:fld>
             <a:endParaRPr lang="en-US"/>
           </a:p>
@@ -3966,7 +3969,7 @@
           <a:p>
             <a:fld id="{5B07E745-2C70-2943-8487-A8F6E88ADF5E}" type="datetimeFigureOut">
               <a:rPr lang="en-US" smtClean="0"/>
-              <a:t>12/4/2022</a:t>
+              <a:t>12/3/2023</a:t>
             </a:fld>
             <a:endParaRPr lang="en-US"/>
           </a:p>
@@ -4385,7 +4388,7 @@
           <a:p>
             <a:fld id="{5B07E745-2C70-2943-8487-A8F6E88ADF5E}" type="datetimeFigureOut">
               <a:rPr lang="en-US" smtClean="0"/>
-              <a:t>12/4/2022</a:t>
+              <a:t>12/3/2023</a:t>
             </a:fld>
             <a:endParaRPr lang="en-US"/>
           </a:p>
@@ -4502,7 +4505,7 @@
           <a:p>
             <a:fld id="{5B07E745-2C70-2943-8487-A8F6E88ADF5E}" type="datetimeFigureOut">
               <a:rPr lang="en-US" smtClean="0"/>
-              <a:t>12/4/2022</a:t>
+              <a:t>12/3/2023</a:t>
             </a:fld>
             <a:endParaRPr lang="en-US"/>
           </a:p>
@@ -4597,7 +4600,7 @@
           <a:p>
             <a:fld id="{5B07E745-2C70-2943-8487-A8F6E88ADF5E}" type="datetimeFigureOut">
               <a:rPr lang="en-US" smtClean="0"/>
-              <a:t>12/4/2022</a:t>
+              <a:t>12/3/2023</a:t>
             </a:fld>
             <a:endParaRPr lang="en-US"/>
           </a:p>
@@ -4872,7 +4875,7 @@
           <a:p>
             <a:fld id="{5B07E745-2C70-2943-8487-A8F6E88ADF5E}" type="datetimeFigureOut">
               <a:rPr lang="en-US" smtClean="0"/>
-              <a:t>12/4/2022</a:t>
+              <a:t>12/3/2023</a:t>
             </a:fld>
             <a:endParaRPr lang="en-US"/>
           </a:p>
@@ -5124,7 +5127,7 @@
           <a:p>
             <a:fld id="{5B07E745-2C70-2943-8487-A8F6E88ADF5E}" type="datetimeFigureOut">
               <a:rPr lang="en-US" smtClean="0"/>
-              <a:t>12/4/2022</a:t>
+              <a:t>12/3/2023</a:t>
             </a:fld>
             <a:endParaRPr lang="en-US"/>
           </a:p>
@@ -5335,7 +5338,7 @@
           <a:p>
             <a:fld id="{5B07E745-2C70-2943-8487-A8F6E88ADF5E}" type="datetimeFigureOut">
               <a:rPr lang="en-US" smtClean="0"/>
-              <a:t>12/4/2022</a:t>
+              <a:t>12/3/2023</a:t>
             </a:fld>
             <a:endParaRPr lang="en-US"/>
           </a:p>
@@ -7519,8 +7522,8 @@
           </a:prstGeom>
         </p:spPr>
       </p:pic>
-      <mc:AlternateContent xmlns:mc="http://schemas.openxmlformats.org/markup-compatibility/2006">
-        <mc:Choice xmlns:p14="http://schemas.microsoft.com/office/powerpoint/2010/main" Requires="p14">
+      <mc:AlternateContent xmlns:mc="http://schemas.openxmlformats.org/markup-compatibility/2006" xmlns:p14="http://schemas.microsoft.com/office/powerpoint/2010/main">
+        <mc:Choice Requires="p14">
           <p:contentPart p14:bwMode="auto" r:id="rId4">
             <p14:nvContentPartPr>
               <p14:cNvPr id="6" name="Ink 5">
@@ -7539,7 +7542,7 @@
             </p14:xfrm>
           </p:contentPart>
         </mc:Choice>
-        <mc:Fallback>
+        <mc:Fallback xmlns="">
           <p:pic>
             <p:nvPicPr>
               <p:cNvPr id="6" name="Ink 5">
@@ -7570,8 +7573,8 @@
           </p:pic>
         </mc:Fallback>
       </mc:AlternateContent>
-      <mc:AlternateContent xmlns:mc="http://schemas.openxmlformats.org/markup-compatibility/2006">
-        <mc:Choice xmlns:p14="http://schemas.microsoft.com/office/powerpoint/2010/main" Requires="p14">
+      <mc:AlternateContent xmlns:mc="http://schemas.openxmlformats.org/markup-compatibility/2006" xmlns:p14="http://schemas.microsoft.com/office/powerpoint/2010/main">
+        <mc:Choice Requires="p14">
           <p:contentPart p14:bwMode="auto" r:id="rId6">
             <p14:nvContentPartPr>
               <p14:cNvPr id="7" name="Ink 6">
@@ -7590,7 +7593,7 @@
             </p14:xfrm>
           </p:contentPart>
         </mc:Choice>
-        <mc:Fallback>
+        <mc:Fallback xmlns="">
           <p:pic>
             <p:nvPicPr>
               <p:cNvPr id="7" name="Ink 6">
@@ -7621,8 +7624,8 @@
           </p:pic>
         </mc:Fallback>
       </mc:AlternateContent>
-      <mc:AlternateContent xmlns:mc="http://schemas.openxmlformats.org/markup-compatibility/2006">
-        <mc:Choice xmlns:p14="http://schemas.microsoft.com/office/powerpoint/2010/main" Requires="p14">
+      <mc:AlternateContent xmlns:mc="http://schemas.openxmlformats.org/markup-compatibility/2006" xmlns:p14="http://schemas.microsoft.com/office/powerpoint/2010/main">
+        <mc:Choice Requires="p14">
           <p:contentPart p14:bwMode="auto" r:id="rId8">
             <p14:nvContentPartPr>
               <p14:cNvPr id="8" name="Ink 7">
@@ -7641,7 +7644,7 @@
             </p14:xfrm>
           </p:contentPart>
         </mc:Choice>
-        <mc:Fallback>
+        <mc:Fallback xmlns="">
           <p:pic>
             <p:nvPicPr>
               <p:cNvPr id="8" name="Ink 7">
@@ -7702,8 +7705,8 @@
           </a:prstGeom>
         </p:spPr>
       </p:pic>
-      <mc:AlternateContent xmlns:mc="http://schemas.openxmlformats.org/markup-compatibility/2006">
-        <mc:Choice xmlns:p14="http://schemas.microsoft.com/office/powerpoint/2010/main" Requires="p14">
+      <mc:AlternateContent xmlns:mc="http://schemas.openxmlformats.org/markup-compatibility/2006" xmlns:p14="http://schemas.microsoft.com/office/powerpoint/2010/main">
+        <mc:Choice Requires="p14">
           <p:contentPart p14:bwMode="auto" r:id="rId11">
             <p14:nvContentPartPr>
               <p14:cNvPr id="11" name="Ink 10">
@@ -7722,7 +7725,7 @@
             </p14:xfrm>
           </p:contentPart>
         </mc:Choice>
-        <mc:Fallback>
+        <mc:Fallback xmlns="">
           <p:pic>
             <p:nvPicPr>
               <p:cNvPr id="11" name="Ink 10">
@@ -7753,8 +7756,8 @@
           </p:pic>
         </mc:Fallback>
       </mc:AlternateContent>
-      <mc:AlternateContent xmlns:mc="http://schemas.openxmlformats.org/markup-compatibility/2006">
-        <mc:Choice xmlns:p14="http://schemas.microsoft.com/office/powerpoint/2010/main" Requires="p14">
+      <mc:AlternateContent xmlns:mc="http://schemas.openxmlformats.org/markup-compatibility/2006" xmlns:p14="http://schemas.microsoft.com/office/powerpoint/2010/main">
+        <mc:Choice Requires="p14">
           <p:contentPart p14:bwMode="auto" r:id="rId13">
             <p14:nvContentPartPr>
               <p14:cNvPr id="12" name="Ink 11">
@@ -7773,7 +7776,7 @@
             </p14:xfrm>
           </p:contentPart>
         </mc:Choice>
-        <mc:Fallback>
+        <mc:Fallback xmlns="">
           <p:pic>
             <p:nvPicPr>
               <p:cNvPr id="12" name="Ink 11">
@@ -8033,6 +8036,306 @@
     <p:extLst>
       <p:ext uri="{BB962C8B-B14F-4D97-AF65-F5344CB8AC3E}">
         <p14:creationId xmlns:p14="http://schemas.microsoft.com/office/powerpoint/2010/main" val="2131331489"/>
+      </p:ext>
+    </p:extLst>
+  </p:cSld>
+  <p:clrMapOvr>
+    <a:masterClrMapping/>
+  </p:clrMapOvr>
+</p:sld>
+</file>
+
+<file path=ppt/slides/slide17.xml><?xml version="1.0" encoding="utf-8"?>
+<p:sld xmlns:a="http://schemas.openxmlformats.org/drawingml/2006/main" xmlns:r="http://schemas.openxmlformats.org/officeDocument/2006/relationships" xmlns:p="http://schemas.openxmlformats.org/presentationml/2006/main" show="0">
+  <p:cSld>
+    <p:spTree>
+      <p:nvGrpSpPr>
+        <p:cNvPr id="1" name=""/>
+        <p:cNvGrpSpPr/>
+        <p:nvPr/>
+      </p:nvGrpSpPr>
+      <p:grpSpPr>
+        <a:xfrm>
+          <a:off x="0" y="0"/>
+          <a:ext cx="0" cy="0"/>
+          <a:chOff x="0" y="0"/>
+          <a:chExt cx="0" cy="0"/>
+        </a:xfrm>
+      </p:grpSpPr>
+      <p:sp>
+        <p:nvSpPr>
+          <p:cNvPr id="2" name="Title 1">
+            <a:extLst>
+              <a:ext uri="{FF2B5EF4-FFF2-40B4-BE49-F238E27FC236}">
+                <a16:creationId xmlns:a16="http://schemas.microsoft.com/office/drawing/2014/main" id="{0921F8CF-936D-FA1C-3636-2F12E81729A8}"/>
+              </a:ext>
+            </a:extLst>
+          </p:cNvPr>
+          <p:cNvSpPr>
+            <a:spLocks noGrp="1"/>
+          </p:cNvSpPr>
+          <p:nvPr>
+            <p:ph type="title"/>
+          </p:nvPr>
+        </p:nvSpPr>
+        <p:spPr/>
+        <p:txBody>
+          <a:bodyPr/>
+          <a:lstStyle/>
+          <a:p>
+            <a:r>
+              <a:rPr lang="en-US" dirty="0"/>
+              <a:t>Optional Opportunities</a:t>
+            </a:r>
+          </a:p>
+        </p:txBody>
+      </p:sp>
+      <p:sp>
+        <p:nvSpPr>
+          <p:cNvPr id="3" name="Content Placeholder 2">
+            <a:extLst>
+              <a:ext uri="{FF2B5EF4-FFF2-40B4-BE49-F238E27FC236}">
+                <a16:creationId xmlns:a16="http://schemas.microsoft.com/office/drawing/2014/main" id="{D72A672C-AADB-8751-8C9B-AEB530116CA0}"/>
+              </a:ext>
+            </a:extLst>
+          </p:cNvPr>
+          <p:cNvSpPr>
+            <a:spLocks noGrp="1"/>
+          </p:cNvSpPr>
+          <p:nvPr>
+            <p:ph idx="1"/>
+          </p:nvPr>
+        </p:nvSpPr>
+        <p:spPr/>
+        <p:txBody>
+          <a:bodyPr/>
+          <a:lstStyle/>
+          <a:p>
+            <a:r>
+              <a:rPr lang="en-US" dirty="0"/>
+              <a:t>At the discretion of the professor</a:t>
+            </a:r>
+          </a:p>
+          <a:p>
+            <a:r>
+              <a:rPr lang="en-US" dirty="0"/>
+              <a:t>There may be incentive points offered</a:t>
+            </a:r>
+          </a:p>
+          <a:p>
+            <a:r>
+              <a:rPr lang="en-US" dirty="0"/>
+              <a:t>As suggested on the following slides</a:t>
+            </a:r>
+          </a:p>
+        </p:txBody>
+      </p:sp>
+    </p:spTree>
+    <p:extLst>
+      <p:ext uri="{BB962C8B-B14F-4D97-AF65-F5344CB8AC3E}">
+        <p14:creationId xmlns:p14="http://schemas.microsoft.com/office/powerpoint/2010/main" val="720591775"/>
+      </p:ext>
+    </p:extLst>
+  </p:cSld>
+  <p:clrMapOvr>
+    <a:masterClrMapping/>
+  </p:clrMapOvr>
+</p:sld>
+</file>
+
+<file path=ppt/slides/slide18.xml><?xml version="1.0" encoding="utf-8"?>
+<p:sld xmlns:a="http://schemas.openxmlformats.org/drawingml/2006/main" xmlns:r="http://schemas.openxmlformats.org/officeDocument/2006/relationships" xmlns:p="http://schemas.openxmlformats.org/presentationml/2006/main" show="0">
+  <p:cSld>
+    <p:spTree>
+      <p:nvGrpSpPr>
+        <p:cNvPr id="1" name=""/>
+        <p:cNvGrpSpPr/>
+        <p:nvPr/>
+      </p:nvGrpSpPr>
+      <p:grpSpPr>
+        <a:xfrm>
+          <a:off x="0" y="0"/>
+          <a:ext cx="0" cy="0"/>
+          <a:chOff x="0" y="0"/>
+          <a:chExt cx="0" cy="0"/>
+        </a:xfrm>
+      </p:grpSpPr>
+      <p:sp>
+        <p:nvSpPr>
+          <p:cNvPr id="2" name="Title 1">
+            <a:extLst>
+              <a:ext uri="{FF2B5EF4-FFF2-40B4-BE49-F238E27FC236}">
+                <a16:creationId xmlns:a16="http://schemas.microsoft.com/office/drawing/2014/main" id="{449B4418-532E-DCD3-AE79-73B3EE671411}"/>
+              </a:ext>
+            </a:extLst>
+          </p:cNvPr>
+          <p:cNvSpPr>
+            <a:spLocks noGrp="1"/>
+          </p:cNvSpPr>
+          <p:nvPr>
+            <p:ph type="title"/>
+          </p:nvPr>
+        </p:nvSpPr>
+        <p:spPr/>
+        <p:txBody>
+          <a:bodyPr/>
+          <a:lstStyle/>
+          <a:p>
+            <a:r>
+              <a:rPr lang="en-US" dirty="0"/>
+              <a:t>Incentive Points Opportunity #1</a:t>
+            </a:r>
+          </a:p>
+        </p:txBody>
+      </p:sp>
+      <p:sp>
+        <p:nvSpPr>
+          <p:cNvPr id="3" name="Content Placeholder 2">
+            <a:extLst>
+              <a:ext uri="{FF2B5EF4-FFF2-40B4-BE49-F238E27FC236}">
+                <a16:creationId xmlns:a16="http://schemas.microsoft.com/office/drawing/2014/main" id="{65D54817-5992-8F0F-389B-4EE046AC8B61}"/>
+              </a:ext>
+            </a:extLst>
+          </p:cNvPr>
+          <p:cNvSpPr>
+            <a:spLocks noGrp="1"/>
+          </p:cNvSpPr>
+          <p:nvPr>
+            <p:ph idx="1"/>
+          </p:nvPr>
+        </p:nvSpPr>
+        <p:spPr/>
+        <p:txBody>
+          <a:bodyPr/>
+          <a:lstStyle/>
+          <a:p>
+            <a:r>
+              <a:rPr lang="en-US" dirty="0"/>
+              <a:t>Complete all of these practice debugging problems</a:t>
+            </a:r>
+          </a:p>
+          <a:p>
+            <a:r>
+              <a:rPr lang="en-US" dirty="0"/>
+              <a:t>Write a quick summary of how you caught each bug</a:t>
+            </a:r>
+          </a:p>
+          <a:p>
+            <a:r>
+              <a:rPr lang="en-US" dirty="0"/>
+              <a:t>Write a summary of what you learned</a:t>
+            </a:r>
+          </a:p>
+          <a:p>
+            <a:r>
+              <a:rPr lang="en-US" dirty="0"/>
+              <a:t>Email it to me!</a:t>
+            </a:r>
+          </a:p>
+        </p:txBody>
+      </p:sp>
+    </p:spTree>
+    <p:extLst>
+      <p:ext uri="{BB962C8B-B14F-4D97-AF65-F5344CB8AC3E}">
+        <p14:creationId xmlns:p14="http://schemas.microsoft.com/office/powerpoint/2010/main" val="2112644947"/>
+      </p:ext>
+    </p:extLst>
+  </p:cSld>
+  <p:clrMapOvr>
+    <a:masterClrMapping/>
+  </p:clrMapOvr>
+</p:sld>
+</file>
+
+<file path=ppt/slides/slide19.xml><?xml version="1.0" encoding="utf-8"?>
+<p:sld xmlns:a="http://schemas.openxmlformats.org/drawingml/2006/main" xmlns:r="http://schemas.openxmlformats.org/officeDocument/2006/relationships" xmlns:p="http://schemas.openxmlformats.org/presentationml/2006/main" show="0">
+  <p:cSld>
+    <p:spTree>
+      <p:nvGrpSpPr>
+        <p:cNvPr id="1" name=""/>
+        <p:cNvGrpSpPr/>
+        <p:nvPr/>
+      </p:nvGrpSpPr>
+      <p:grpSpPr>
+        <a:xfrm>
+          <a:off x="0" y="0"/>
+          <a:ext cx="0" cy="0"/>
+          <a:chOff x="0" y="0"/>
+          <a:chExt cx="0" cy="0"/>
+        </a:xfrm>
+      </p:grpSpPr>
+      <p:sp>
+        <p:nvSpPr>
+          <p:cNvPr id="2" name="Title 1">
+            <a:extLst>
+              <a:ext uri="{FF2B5EF4-FFF2-40B4-BE49-F238E27FC236}">
+                <a16:creationId xmlns:a16="http://schemas.microsoft.com/office/drawing/2014/main" id="{449B4418-532E-DCD3-AE79-73B3EE671411}"/>
+              </a:ext>
+            </a:extLst>
+          </p:cNvPr>
+          <p:cNvSpPr>
+            <a:spLocks noGrp="1"/>
+          </p:cNvSpPr>
+          <p:nvPr>
+            <p:ph type="title"/>
+          </p:nvPr>
+        </p:nvSpPr>
+        <p:spPr/>
+        <p:txBody>
+          <a:bodyPr/>
+          <a:lstStyle/>
+          <a:p>
+            <a:r>
+              <a:rPr lang="en-US" dirty="0"/>
+              <a:t>Incentive Points Opportunity #2</a:t>
+            </a:r>
+          </a:p>
+        </p:txBody>
+      </p:sp>
+      <p:sp>
+        <p:nvSpPr>
+          <p:cNvPr id="3" name="Content Placeholder 2">
+            <a:extLst>
+              <a:ext uri="{FF2B5EF4-FFF2-40B4-BE49-F238E27FC236}">
+                <a16:creationId xmlns:a16="http://schemas.microsoft.com/office/drawing/2014/main" id="{65D54817-5992-8F0F-389B-4EE046AC8B61}"/>
+              </a:ext>
+            </a:extLst>
+          </p:cNvPr>
+          <p:cNvSpPr>
+            <a:spLocks noGrp="1"/>
+          </p:cNvSpPr>
+          <p:nvPr>
+            <p:ph idx="1"/>
+          </p:nvPr>
+        </p:nvSpPr>
+        <p:spPr/>
+        <p:txBody>
+          <a:bodyPr/>
+          <a:lstStyle/>
+          <a:p>
+            <a:r>
+              <a:rPr lang="en-US" dirty="0"/>
+              <a:t>When you have some spare time, as our in-class TA to “quiz you” on the use of the debugger</a:t>
+            </a:r>
+          </a:p>
+          <a:p>
+            <a:r>
+              <a:rPr lang="en-US" dirty="0"/>
+              <a:t>You will have 5-10 minutes to resolve a bug introduced</a:t>
+            </a:r>
+          </a:p>
+          <a:p>
+            <a:r>
+              <a:rPr lang="en-US" dirty="0"/>
+              <a:t>This is worth a small number of incentive points (+2), but more importantly will make sure you understand how to use the debugger</a:t>
+            </a:r>
+          </a:p>
+        </p:txBody>
+      </p:sp>
+    </p:spTree>
+    <p:extLst>
+      <p:ext uri="{BB962C8B-B14F-4D97-AF65-F5344CB8AC3E}">
+        <p14:creationId xmlns:p14="http://schemas.microsoft.com/office/powerpoint/2010/main" val="2082980726"/>
       </p:ext>
     </p:extLst>
   </p:cSld>
@@ -10700,21 +11003,6 @@
 </file>
 
 <file path=customXml/item1.xml><?xml version="1.0" encoding="utf-8"?>
-<?mso-contentType ?>
-<FormTemplates xmlns="http://schemas.microsoft.com/sharepoint/v3/contenttype/forms">
-  <Display>DocumentLibraryForm</Display>
-  <Edit>DocumentLibraryForm</Edit>
-  <New>DocumentLibraryForm</New>
-</FormTemplates>
-</file>
-
-<file path=customXml/item2.xml><?xml version="1.0" encoding="utf-8"?>
-<p:properties xmlns:p="http://schemas.microsoft.com/office/2006/metadata/properties" xmlns:xsi="http://www.w3.org/2001/XMLSchema-instance" xmlns:pc="http://schemas.microsoft.com/office/infopath/2007/PartnerControls">
-  <documentManagement/>
-</p:properties>
-</file>
-
-<file path=customXml/item3.xml><?xml version="1.0" encoding="utf-8"?>
 <ct:contentTypeSchema xmlns:ct="http://schemas.microsoft.com/office/2006/metadata/contentType" xmlns:ma="http://schemas.microsoft.com/office/2006/metadata/properties/metaAttributes" ct:_="" ma:_="" ma:contentTypeName="Document" ma:contentTypeID="0x0101004285D81DBE5F5A448E892B34D6B8CF20" ma:contentTypeVersion="2" ma:contentTypeDescription="Create a new document." ma:contentTypeScope="" ma:versionID="026ccaf10de5d9915dfa48c6db16b59b">
   <xsd:schema xmlns:xsd="http://www.w3.org/2001/XMLSchema" xmlns:xs="http://www.w3.org/2001/XMLSchema" xmlns:p="http://schemas.microsoft.com/office/2006/metadata/properties" xmlns:ns2="08600313-7276-4ca7-b5d3-7d86193ee0ac" targetNamespace="http://schemas.microsoft.com/office/2006/metadata/properties" ma:root="true" ma:fieldsID="c887e4ee215f388544e22a2030d7ea35" ns2:_="">
     <xsd:import namespace="08600313-7276-4ca7-b5d3-7d86193ee0ac"/>
@@ -10846,10 +11134,35 @@
 </ct:contentTypeSchema>
 </file>
 
+<file path=customXml/item2.xml><?xml version="1.0" encoding="utf-8"?>
+<p:properties xmlns:p="http://schemas.microsoft.com/office/2006/metadata/properties" xmlns:xsi="http://www.w3.org/2001/XMLSchema-instance" xmlns:pc="http://schemas.microsoft.com/office/infopath/2007/PartnerControls">
+  <documentManagement/>
+</p:properties>
+</file>
+
+<file path=customXml/item3.xml><?xml version="1.0" encoding="utf-8"?>
+<?mso-contentType ?>
+<FormTemplates xmlns="http://schemas.microsoft.com/sharepoint/v3/contenttype/forms">
+  <Display>DocumentLibraryForm</Display>
+  <Edit>DocumentLibraryForm</Edit>
+  <New>DocumentLibraryForm</New>
+</FormTemplates>
+</file>
+
 <file path=customXml/itemProps1.xml><?xml version="1.0" encoding="utf-8"?>
-<ds:datastoreItem xmlns:ds="http://schemas.openxmlformats.org/officeDocument/2006/customXml" ds:itemID="{47B07C09-FF92-4115-A3C4-DCD45D83FCB5}">
+<ds:datastoreItem xmlns:ds="http://schemas.openxmlformats.org/officeDocument/2006/customXml" ds:itemID="{00C38785-47E6-49BC-BFEC-57787567C3D0}">
   <ds:schemaRefs>
-    <ds:schemaRef ds:uri="http://schemas.microsoft.com/sharepoint/v3/contenttype/forms"/>
+    <ds:schemaRef ds:uri="http://schemas.microsoft.com/office/2006/metadata/contentType"/>
+    <ds:schemaRef ds:uri="http://schemas.microsoft.com/office/2006/metadata/properties/metaAttributes"/>
+    <ds:schemaRef ds:uri="http://www.w3.org/2001/XMLSchema"/>
+    <ds:schemaRef ds:uri="http://schemas.microsoft.com/office/2006/metadata/properties"/>
+    <ds:schemaRef ds:uri="08600313-7276-4ca7-b5d3-7d86193ee0ac"/>
+    <ds:schemaRef ds:uri="http://schemas.microsoft.com/office/2006/documentManagement/types"/>
+    <ds:schemaRef ds:uri="http://schemas.microsoft.com/office/infopath/2007/PartnerControls"/>
+    <ds:schemaRef ds:uri="http://schemas.openxmlformats.org/package/2006/metadata/core-properties"/>
+    <ds:schemaRef ds:uri="http://purl.org/dc/elements/1.1/"/>
+    <ds:schemaRef ds:uri="http://purl.org/dc/terms/"/>
+    <ds:schemaRef ds:uri="http://schemas.microsoft.com/internal/obd"/>
   </ds:schemaRefs>
 </ds:datastoreItem>
 </file>
@@ -10871,19 +11184,9 @@
 </file>
 
 <file path=customXml/itemProps3.xml><?xml version="1.0" encoding="utf-8"?>
-<ds:datastoreItem xmlns:ds="http://schemas.openxmlformats.org/officeDocument/2006/customXml" ds:itemID="{00C38785-47E6-49BC-BFEC-57787567C3D0}">
+<ds:datastoreItem xmlns:ds="http://schemas.openxmlformats.org/officeDocument/2006/customXml" ds:itemID="{47B07C09-FF92-4115-A3C4-DCD45D83FCB5}">
   <ds:schemaRefs>
-    <ds:schemaRef ds:uri="http://schemas.microsoft.com/office/2006/metadata/contentType"/>
-    <ds:schemaRef ds:uri="http://schemas.microsoft.com/office/2006/metadata/properties/metaAttributes"/>
-    <ds:schemaRef ds:uri="http://www.w3.org/2001/XMLSchema"/>
-    <ds:schemaRef ds:uri="http://schemas.microsoft.com/office/2006/metadata/properties"/>
-    <ds:schemaRef ds:uri="08600313-7276-4ca7-b5d3-7d86193ee0ac"/>
-    <ds:schemaRef ds:uri="http://schemas.microsoft.com/office/2006/documentManagement/types"/>
-    <ds:schemaRef ds:uri="http://schemas.microsoft.com/office/infopath/2007/PartnerControls"/>
-    <ds:schemaRef ds:uri="http://schemas.openxmlformats.org/package/2006/metadata/core-properties"/>
-    <ds:schemaRef ds:uri="http://purl.org/dc/elements/1.1/"/>
-    <ds:schemaRef ds:uri="http://purl.org/dc/terms/"/>
-    <ds:schemaRef ds:uri="http://schemas.microsoft.com/internal/obd"/>
+    <ds:schemaRef ds:uri="http://schemas.microsoft.com/sharepoint/v3/contenttype/forms"/>
   </ds:schemaRefs>
 </ds:datastoreItem>
 </file>
--- a/ClassMaterials/ObjectIntroAndMisc/Slides/Part2-UsingDebugger.pptx
+++ b/ClassMaterials/ObjectIntroAndMisc/Slides/Part2-UsingDebugger.pptx
@@ -409,7 +409,7 @@
           <a:p>
             <a:fld id="{73386005-8F80-1A49-87D1-22EBFA47E352}" type="datetimeFigureOut">
               <a:rPr lang="en-US" smtClean="0"/>
-              <a:t>12/3/2023</a:t>
+              <a:t>12/5/2023</a:t>
             </a:fld>
             <a:endParaRPr lang="en-US"/>
           </a:p>
@@ -2548,7 +2548,7 @@
           <a:p>
             <a:fld id="{5B07E745-2C70-2943-8487-A8F6E88ADF5E}" type="datetimeFigureOut">
               <a:rPr lang="en-US" smtClean="0"/>
-              <a:t>12/3/2023</a:t>
+              <a:t>12/5/2023</a:t>
             </a:fld>
             <a:endParaRPr lang="en-US"/>
           </a:p>
@@ -2716,7 +2716,7 @@
           <a:p>
             <a:fld id="{5B07E745-2C70-2943-8487-A8F6E88ADF5E}" type="datetimeFigureOut">
               <a:rPr lang="en-US" smtClean="0"/>
-              <a:t>12/3/2023</a:t>
+              <a:t>12/5/2023</a:t>
             </a:fld>
             <a:endParaRPr lang="en-US"/>
           </a:p>
@@ -2894,7 +2894,7 @@
           <a:p>
             <a:fld id="{5B07E745-2C70-2943-8487-A8F6E88ADF5E}" type="datetimeFigureOut">
               <a:rPr lang="en-US" smtClean="0"/>
-              <a:t>12/3/2023</a:t>
+              <a:t>12/5/2023</a:t>
             </a:fld>
             <a:endParaRPr lang="en-US"/>
           </a:p>
@@ -3439,7 +3439,7 @@
           <a:p>
             <a:fld id="{5B07E745-2C70-2943-8487-A8F6E88ADF5E}" type="datetimeFigureOut">
               <a:rPr lang="en-US" smtClean="0"/>
-              <a:t>12/3/2023</a:t>
+              <a:t>12/5/2023</a:t>
             </a:fld>
             <a:endParaRPr lang="en-US"/>
           </a:p>
@@ -3684,7 +3684,7 @@
           <a:p>
             <a:fld id="{5B07E745-2C70-2943-8487-A8F6E88ADF5E}" type="datetimeFigureOut">
               <a:rPr lang="en-US" smtClean="0"/>
-              <a:t>12/3/2023</a:t>
+              <a:t>12/5/2023</a:t>
             </a:fld>
             <a:endParaRPr lang="en-US"/>
           </a:p>
@@ -3969,7 +3969,7 @@
           <a:p>
             <a:fld id="{5B07E745-2C70-2943-8487-A8F6E88ADF5E}" type="datetimeFigureOut">
               <a:rPr lang="en-US" smtClean="0"/>
-              <a:t>12/3/2023</a:t>
+              <a:t>12/5/2023</a:t>
             </a:fld>
             <a:endParaRPr lang="en-US"/>
           </a:p>
@@ -4388,7 +4388,7 @@
           <a:p>
             <a:fld id="{5B07E745-2C70-2943-8487-A8F6E88ADF5E}" type="datetimeFigureOut">
               <a:rPr lang="en-US" smtClean="0"/>
-              <a:t>12/3/2023</a:t>
+              <a:t>12/5/2023</a:t>
             </a:fld>
             <a:endParaRPr lang="en-US"/>
           </a:p>
@@ -4505,7 +4505,7 @@
           <a:p>
             <a:fld id="{5B07E745-2C70-2943-8487-A8F6E88ADF5E}" type="datetimeFigureOut">
               <a:rPr lang="en-US" smtClean="0"/>
-              <a:t>12/3/2023</a:t>
+              <a:t>12/5/2023</a:t>
             </a:fld>
             <a:endParaRPr lang="en-US"/>
           </a:p>
@@ -4600,7 +4600,7 @@
           <a:p>
             <a:fld id="{5B07E745-2C70-2943-8487-A8F6E88ADF5E}" type="datetimeFigureOut">
               <a:rPr lang="en-US" smtClean="0"/>
-              <a:t>12/3/2023</a:t>
+              <a:t>12/5/2023</a:t>
             </a:fld>
             <a:endParaRPr lang="en-US"/>
           </a:p>
@@ -4875,7 +4875,7 @@
           <a:p>
             <a:fld id="{5B07E745-2C70-2943-8487-A8F6E88ADF5E}" type="datetimeFigureOut">
               <a:rPr lang="en-US" smtClean="0"/>
-              <a:t>12/3/2023</a:t>
+              <a:t>12/5/2023</a:t>
             </a:fld>
             <a:endParaRPr lang="en-US"/>
           </a:p>
@@ -5127,7 +5127,7 @@
           <a:p>
             <a:fld id="{5B07E745-2C70-2943-8487-A8F6E88ADF5E}" type="datetimeFigureOut">
               <a:rPr lang="en-US" smtClean="0"/>
-              <a:t>12/3/2023</a:t>
+              <a:t>12/5/2023</a:t>
             </a:fld>
             <a:endParaRPr lang="en-US"/>
           </a:p>
@@ -5338,7 +5338,7 @@
           <a:p>
             <a:fld id="{5B07E745-2C70-2943-8487-A8F6E88ADF5E}" type="datetimeFigureOut">
               <a:rPr lang="en-US" smtClean="0"/>
-              <a:t>12/3/2023</a:t>
+              <a:t>12/5/2023</a:t>
             </a:fld>
             <a:endParaRPr lang="en-US"/>
           </a:p>
@@ -8206,18 +8206,48 @@
         </p:nvSpPr>
         <p:spPr/>
         <p:txBody>
-          <a:bodyPr/>
+          <a:bodyPr>
+            <a:normAutofit/>
+          </a:bodyPr>
           <a:lstStyle/>
           <a:p>
             <a:r>
               <a:rPr lang="en-US" dirty="0"/>
-              <a:t>Complete all of these practice debugging problems</a:t>
+              <a:t>Complete these practice debugging problems</a:t>
             </a:r>
           </a:p>
           <a:p>
             <a:r>
               <a:rPr lang="en-US" dirty="0"/>
-              <a:t>Write a quick summary of how you caught each bug</a:t>
+              <a:t>Write a summary of how you caught each bug</a:t>
+            </a:r>
+          </a:p>
+          <a:p>
+            <a:pPr lvl="1"/>
+            <a:r>
+              <a:rPr lang="en-US" dirty="0"/>
+              <a:t>Be sure to list:</a:t>
+            </a:r>
+          </a:p>
+          <a:p>
+            <a:pPr lvl="2"/>
+            <a:r>
+              <a:rPr lang="en-US" dirty="0"/>
+              <a:t>What line did you “catch” unexpected behavior?</a:t>
+            </a:r>
+          </a:p>
+          <a:p>
+            <a:pPr lvl="2"/>
+            <a:r>
+              <a:rPr lang="en-US" dirty="0"/>
+              <a:t>What was unexpected about the behavior?</a:t>
+            </a:r>
+          </a:p>
+          <a:p>
+            <a:pPr lvl="2"/>
+            <a:r>
+              <a:rPr lang="en-US" dirty="0"/>
+              <a:t>What did you determine from this?</a:t>
             </a:r>
           </a:p>
           <a:p>
@@ -11135,18 +11165,18 @@
 </file>
 
 <file path=customXml/item2.xml><?xml version="1.0" encoding="utf-8"?>
-<p:properties xmlns:p="http://schemas.microsoft.com/office/2006/metadata/properties" xmlns:xsi="http://www.w3.org/2001/XMLSchema-instance" xmlns:pc="http://schemas.microsoft.com/office/infopath/2007/PartnerControls">
-  <documentManagement/>
-</p:properties>
-</file>
-
-<file path=customXml/item3.xml><?xml version="1.0" encoding="utf-8"?>
 <?mso-contentType ?>
 <FormTemplates xmlns="http://schemas.microsoft.com/sharepoint/v3/contenttype/forms">
   <Display>DocumentLibraryForm</Display>
   <Edit>DocumentLibraryForm</Edit>
   <New>DocumentLibraryForm</New>
 </FormTemplates>
+</file>
+
+<file path=customXml/item3.xml><?xml version="1.0" encoding="utf-8"?>
+<p:properties xmlns:p="http://schemas.microsoft.com/office/2006/metadata/properties" xmlns:xsi="http://www.w3.org/2001/XMLSchema-instance" xmlns:pc="http://schemas.microsoft.com/office/infopath/2007/PartnerControls">
+  <documentManagement/>
+</p:properties>
 </file>
 
 <file path=customXml/itemProps1.xml><?xml version="1.0" encoding="utf-8"?>
@@ -11168,6 +11198,14 @@
 </file>
 
 <file path=customXml/itemProps2.xml><?xml version="1.0" encoding="utf-8"?>
+<ds:datastoreItem xmlns:ds="http://schemas.openxmlformats.org/officeDocument/2006/customXml" ds:itemID="{47B07C09-FF92-4115-A3C4-DCD45D83FCB5}">
+  <ds:schemaRefs>
+    <ds:schemaRef ds:uri="http://schemas.microsoft.com/sharepoint/v3/contenttype/forms"/>
+  </ds:schemaRefs>
+</ds:datastoreItem>
+</file>
+
+<file path=customXml/itemProps3.xml><?xml version="1.0" encoding="utf-8"?>
 <ds:datastoreItem xmlns:ds="http://schemas.openxmlformats.org/officeDocument/2006/customXml" ds:itemID="{60EBDBBA-925D-4342-9C69-C51A740C4A59}">
   <ds:schemaRefs>
     <ds:schemaRef ds:uri="http://www.w3.org/XML/1998/namespace"/>
@@ -11181,12 +11219,4 @@
     <ds:schemaRef ds:uri="79ddb764-415a-4c38-83b7-908be6382bea"/>
   </ds:schemaRefs>
 </ds:datastoreItem>
-</file>
-
-<file path=customXml/itemProps3.xml><?xml version="1.0" encoding="utf-8"?>
-<ds:datastoreItem xmlns:ds="http://schemas.openxmlformats.org/officeDocument/2006/customXml" ds:itemID="{47B07C09-FF92-4115-A3C4-DCD45D83FCB5}">
-  <ds:schemaRefs>
-    <ds:schemaRef ds:uri="http://schemas.microsoft.com/sharepoint/v3/contenttype/forms"/>
-  </ds:schemaRefs>
-</ds:datastoreItem>
 </file>
--- a/ClassMaterials/ObjectIntroAndMisc/Slides/Part2-UsingDebugger.pptx
+++ b/ClassMaterials/ObjectIntroAndMisc/Slides/Part2-UsingDebugger.pptx
@@ -409,7 +409,7 @@
           <a:p>
             <a:fld id="{73386005-8F80-1A49-87D1-22EBFA47E352}" type="datetimeFigureOut">
               <a:rPr lang="en-US" smtClean="0"/>
-              <a:t>12/5/2023</a:t>
+              <a:t>2/26/2024</a:t>
             </a:fld>
             <a:endParaRPr lang="en-US"/>
           </a:p>
@@ -2548,7 +2548,7 @@
           <a:p>
             <a:fld id="{5B07E745-2C70-2943-8487-A8F6E88ADF5E}" type="datetimeFigureOut">
               <a:rPr lang="en-US" smtClean="0"/>
-              <a:t>12/5/2023</a:t>
+              <a:t>2/26/2024</a:t>
             </a:fld>
             <a:endParaRPr lang="en-US"/>
           </a:p>
@@ -2716,7 +2716,7 @@
           <a:p>
             <a:fld id="{5B07E745-2C70-2943-8487-A8F6E88ADF5E}" type="datetimeFigureOut">
               <a:rPr lang="en-US" smtClean="0"/>
-              <a:t>12/5/2023</a:t>
+              <a:t>2/26/2024</a:t>
             </a:fld>
             <a:endParaRPr lang="en-US"/>
           </a:p>
@@ -2894,7 +2894,7 @@
           <a:p>
             <a:fld id="{5B07E745-2C70-2943-8487-A8F6E88ADF5E}" type="datetimeFigureOut">
               <a:rPr lang="en-US" smtClean="0"/>
-              <a:t>12/5/2023</a:t>
+              <a:t>2/26/2024</a:t>
             </a:fld>
             <a:endParaRPr lang="en-US"/>
           </a:p>
@@ -3439,7 +3439,7 @@
           <a:p>
             <a:fld id="{5B07E745-2C70-2943-8487-A8F6E88ADF5E}" type="datetimeFigureOut">
               <a:rPr lang="en-US" smtClean="0"/>
-              <a:t>12/5/2023</a:t>
+              <a:t>2/26/2024</a:t>
             </a:fld>
             <a:endParaRPr lang="en-US"/>
           </a:p>
@@ -3684,7 +3684,7 @@
           <a:p>
             <a:fld id="{5B07E745-2C70-2943-8487-A8F6E88ADF5E}" type="datetimeFigureOut">
               <a:rPr lang="en-US" smtClean="0"/>
-              <a:t>12/5/2023</a:t>
+              <a:t>2/26/2024</a:t>
             </a:fld>
             <a:endParaRPr lang="en-US"/>
           </a:p>
@@ -3969,7 +3969,7 @@
           <a:p>
             <a:fld id="{5B07E745-2C70-2943-8487-A8F6E88ADF5E}" type="datetimeFigureOut">
               <a:rPr lang="en-US" smtClean="0"/>
-              <a:t>12/5/2023</a:t>
+              <a:t>2/26/2024</a:t>
             </a:fld>
             <a:endParaRPr lang="en-US"/>
           </a:p>
@@ -4388,7 +4388,7 @@
           <a:p>
             <a:fld id="{5B07E745-2C70-2943-8487-A8F6E88ADF5E}" type="datetimeFigureOut">
               <a:rPr lang="en-US" smtClean="0"/>
-              <a:t>12/5/2023</a:t>
+              <a:t>2/26/2024</a:t>
             </a:fld>
             <a:endParaRPr lang="en-US"/>
           </a:p>
@@ -4505,7 +4505,7 @@
           <a:p>
             <a:fld id="{5B07E745-2C70-2943-8487-A8F6E88ADF5E}" type="datetimeFigureOut">
               <a:rPr lang="en-US" smtClean="0"/>
-              <a:t>12/5/2023</a:t>
+              <a:t>2/26/2024</a:t>
             </a:fld>
             <a:endParaRPr lang="en-US"/>
           </a:p>
@@ -4600,7 +4600,7 @@
           <a:p>
             <a:fld id="{5B07E745-2C70-2943-8487-A8F6E88ADF5E}" type="datetimeFigureOut">
               <a:rPr lang="en-US" smtClean="0"/>
-              <a:t>12/5/2023</a:t>
+              <a:t>2/26/2024</a:t>
             </a:fld>
             <a:endParaRPr lang="en-US"/>
           </a:p>
@@ -4875,7 +4875,7 @@
           <a:p>
             <a:fld id="{5B07E745-2C70-2943-8487-A8F6E88ADF5E}" type="datetimeFigureOut">
               <a:rPr lang="en-US" smtClean="0"/>
-              <a:t>12/5/2023</a:t>
+              <a:t>2/26/2024</a:t>
             </a:fld>
             <a:endParaRPr lang="en-US"/>
           </a:p>
@@ -5127,7 +5127,7 @@
           <a:p>
             <a:fld id="{5B07E745-2C70-2943-8487-A8F6E88ADF5E}" type="datetimeFigureOut">
               <a:rPr lang="en-US" smtClean="0"/>
-              <a:t>12/5/2023</a:t>
+              <a:t>2/26/2024</a:t>
             </a:fld>
             <a:endParaRPr lang="en-US"/>
           </a:p>
@@ -5338,7 +5338,7 @@
           <a:p>
             <a:fld id="{5B07E745-2C70-2943-8487-A8F6E88ADF5E}" type="datetimeFigureOut">
               <a:rPr lang="en-US" smtClean="0"/>
-              <a:t>12/5/2023</a:t>
+              <a:t>2/26/2024</a:t>
             </a:fld>
             <a:endParaRPr lang="en-US"/>
           </a:p>
@@ -8207,7 +8207,7 @@
         <p:spPr/>
         <p:txBody>
           <a:bodyPr>
-            <a:normAutofit/>
+            <a:normAutofit lnSpcReduction="10000"/>
           </a:bodyPr>
           <a:lstStyle/>
           <a:p>
@@ -8259,7 +8259,7 @@
           <a:p>
             <a:r>
               <a:rPr lang="en-US" dirty="0"/>
-              <a:t>Email it to me!</a:t>
+              <a:t>Email it to me and complete the incentive form on Moodle</a:t>
             </a:r>
           </a:p>
         </p:txBody>

--- a/ClassMaterials/ObjectIntroAndMisc/Slides/Part2-UsingDebugger.pptx
+++ b/ClassMaterials/ObjectIntroAndMisc/Slides/Part2-UsingDebugger.pptx
@@ -409,7 +409,7 @@
           <a:p>
             <a:fld id="{73386005-8F80-1A49-87D1-22EBFA47E352}" type="datetimeFigureOut">
               <a:rPr lang="en-US" smtClean="0"/>
-              <a:t>2/26/2024</a:t>
+              <a:t>9/9/2024</a:t>
             </a:fld>
             <a:endParaRPr lang="en-US"/>
           </a:p>
@@ -2548,7 +2548,7 @@
           <a:p>
             <a:fld id="{5B07E745-2C70-2943-8487-A8F6E88ADF5E}" type="datetimeFigureOut">
               <a:rPr lang="en-US" smtClean="0"/>
-              <a:t>2/26/2024</a:t>
+              <a:t>9/9/2024</a:t>
             </a:fld>
             <a:endParaRPr lang="en-US"/>
           </a:p>
@@ -2716,7 +2716,7 @@
           <a:p>
             <a:fld id="{5B07E745-2C70-2943-8487-A8F6E88ADF5E}" type="datetimeFigureOut">
               <a:rPr lang="en-US" smtClean="0"/>
-              <a:t>2/26/2024</a:t>
+              <a:t>9/9/2024</a:t>
             </a:fld>
             <a:endParaRPr lang="en-US"/>
           </a:p>
@@ -2894,7 +2894,7 @@
           <a:p>
             <a:fld id="{5B07E745-2C70-2943-8487-A8F6E88ADF5E}" type="datetimeFigureOut">
               <a:rPr lang="en-US" smtClean="0"/>
-              <a:t>2/26/2024</a:t>
+              <a:t>9/9/2024</a:t>
             </a:fld>
             <a:endParaRPr lang="en-US"/>
           </a:p>
@@ -3439,7 +3439,7 @@
           <a:p>
             <a:fld id="{5B07E745-2C70-2943-8487-A8F6E88ADF5E}" type="datetimeFigureOut">
               <a:rPr lang="en-US" smtClean="0"/>
-              <a:t>2/26/2024</a:t>
+              <a:t>9/9/2024</a:t>
             </a:fld>
             <a:endParaRPr lang="en-US"/>
           </a:p>
@@ -3684,7 +3684,7 @@
           <a:p>
             <a:fld id="{5B07E745-2C70-2943-8487-A8F6E88ADF5E}" type="datetimeFigureOut">
               <a:rPr lang="en-US" smtClean="0"/>
-              <a:t>2/26/2024</a:t>
+              <a:t>9/9/2024</a:t>
             </a:fld>
             <a:endParaRPr lang="en-US"/>
           </a:p>
@@ -3969,7 +3969,7 @@
           <a:p>
             <a:fld id="{5B07E745-2C70-2943-8487-A8F6E88ADF5E}" type="datetimeFigureOut">
               <a:rPr lang="en-US" smtClean="0"/>
-              <a:t>2/26/2024</a:t>
+              <a:t>9/9/2024</a:t>
             </a:fld>
             <a:endParaRPr lang="en-US"/>
           </a:p>
@@ -4388,7 +4388,7 @@
           <a:p>
             <a:fld id="{5B07E745-2C70-2943-8487-A8F6E88ADF5E}" type="datetimeFigureOut">
               <a:rPr lang="en-US" smtClean="0"/>
-              <a:t>2/26/2024</a:t>
+              <a:t>9/9/2024</a:t>
             </a:fld>
             <a:endParaRPr lang="en-US"/>
           </a:p>
@@ -4505,7 +4505,7 @@
           <a:p>
             <a:fld id="{5B07E745-2C70-2943-8487-A8F6E88ADF5E}" type="datetimeFigureOut">
               <a:rPr lang="en-US" smtClean="0"/>
-              <a:t>2/26/2024</a:t>
+              <a:t>9/9/2024</a:t>
             </a:fld>
             <a:endParaRPr lang="en-US"/>
           </a:p>
@@ -4600,7 +4600,7 @@
           <a:p>
             <a:fld id="{5B07E745-2C70-2943-8487-A8F6E88ADF5E}" type="datetimeFigureOut">
               <a:rPr lang="en-US" smtClean="0"/>
-              <a:t>2/26/2024</a:t>
+              <a:t>9/9/2024</a:t>
             </a:fld>
             <a:endParaRPr lang="en-US"/>
           </a:p>
@@ -4875,7 +4875,7 @@
           <a:p>
             <a:fld id="{5B07E745-2C70-2943-8487-A8F6E88ADF5E}" type="datetimeFigureOut">
               <a:rPr lang="en-US" smtClean="0"/>
-              <a:t>2/26/2024</a:t>
+              <a:t>9/9/2024</a:t>
             </a:fld>
             <a:endParaRPr lang="en-US"/>
           </a:p>
@@ -5127,7 +5127,7 @@
           <a:p>
             <a:fld id="{5B07E745-2C70-2943-8487-A8F6E88ADF5E}" type="datetimeFigureOut">
               <a:rPr lang="en-US" smtClean="0"/>
-              <a:t>2/26/2024</a:t>
+              <a:t>9/9/2024</a:t>
             </a:fld>
             <a:endParaRPr lang="en-US"/>
           </a:p>
@@ -5338,7 +5338,7 @@
           <a:p>
             <a:fld id="{5B07E745-2C70-2943-8487-A8F6E88ADF5E}" type="datetimeFigureOut">
               <a:rPr lang="en-US" smtClean="0"/>
-              <a:t>2/26/2024</a:t>
+              <a:t>9/9/2024</a:t>
             </a:fld>
             <a:endParaRPr lang="en-US"/>
           </a:p>
@@ -5842,7 +5842,7 @@
             </a:pPr>
             <a:r>
               <a:rPr lang="en-US" sz="2400" i="1" dirty="0" err="1"/>
-              <a:t>PracticeObjectIntroAndMiscSolution</a:t>
+              <a:t>PracticeSolutionObjectIntroAndMisc</a:t>
             </a:r>
             <a:endParaRPr lang="en-US" sz="2400" i="1" dirty="0"/>
           </a:p>
@@ -11033,6 +11033,15 @@
 </file>
 
 <file path=customXml/item1.xml><?xml version="1.0" encoding="utf-8"?>
+<?mso-contentType ?>
+<FormTemplates xmlns="http://schemas.microsoft.com/sharepoint/v3/contenttype/forms">
+  <Display>DocumentLibraryForm</Display>
+  <Edit>DocumentLibraryForm</Edit>
+  <New>DocumentLibraryForm</New>
+</FormTemplates>
+</file>
+
+<file path=customXml/item2.xml><?xml version="1.0" encoding="utf-8"?>
 <ct:contentTypeSchema xmlns:ct="http://schemas.microsoft.com/office/2006/metadata/contentType" xmlns:ma="http://schemas.microsoft.com/office/2006/metadata/properties/metaAttributes" ct:_="" ma:_="" ma:contentTypeName="Document" ma:contentTypeID="0x0101004285D81DBE5F5A448E892B34D6B8CF20" ma:contentTypeVersion="2" ma:contentTypeDescription="Create a new document." ma:contentTypeScope="" ma:versionID="026ccaf10de5d9915dfa48c6db16b59b">
   <xsd:schema xmlns:xsd="http://www.w3.org/2001/XMLSchema" xmlns:xs="http://www.w3.org/2001/XMLSchema" xmlns:p="http://schemas.microsoft.com/office/2006/metadata/properties" xmlns:ns2="08600313-7276-4ca7-b5d3-7d86193ee0ac" targetNamespace="http://schemas.microsoft.com/office/2006/metadata/properties" ma:root="true" ma:fieldsID="c887e4ee215f388544e22a2030d7ea35" ns2:_="">
     <xsd:import namespace="08600313-7276-4ca7-b5d3-7d86193ee0ac"/>
@@ -11164,15 +11173,6 @@
 </ct:contentTypeSchema>
 </file>
 
-<file path=customXml/item2.xml><?xml version="1.0" encoding="utf-8"?>
-<?mso-contentType ?>
-<FormTemplates xmlns="http://schemas.microsoft.com/sharepoint/v3/contenttype/forms">
-  <Display>DocumentLibraryForm</Display>
-  <Edit>DocumentLibraryForm</Edit>
-  <New>DocumentLibraryForm</New>
-</FormTemplates>
-</file>
-
 <file path=customXml/item3.xml><?xml version="1.0" encoding="utf-8"?>
 <p:properties xmlns:p="http://schemas.microsoft.com/office/2006/metadata/properties" xmlns:xsi="http://www.w3.org/2001/XMLSchema-instance" xmlns:pc="http://schemas.microsoft.com/office/infopath/2007/PartnerControls">
   <documentManagement/>
@@ -11180,6 +11180,14 @@
 </file>
 
 <file path=customXml/itemProps1.xml><?xml version="1.0" encoding="utf-8"?>
+<ds:datastoreItem xmlns:ds="http://schemas.openxmlformats.org/officeDocument/2006/customXml" ds:itemID="{47B07C09-FF92-4115-A3C4-DCD45D83FCB5}">
+  <ds:schemaRefs>
+    <ds:schemaRef ds:uri="http://schemas.microsoft.com/sharepoint/v3/contenttype/forms"/>
+  </ds:schemaRefs>
+</ds:datastoreItem>
+</file>
+
+<file path=customXml/itemProps2.xml><?xml version="1.0" encoding="utf-8"?>
 <ds:datastoreItem xmlns:ds="http://schemas.openxmlformats.org/officeDocument/2006/customXml" ds:itemID="{00C38785-47E6-49BC-BFEC-57787567C3D0}">
   <ds:schemaRefs>
     <ds:schemaRef ds:uri="http://schemas.microsoft.com/office/2006/metadata/contentType"/>
@@ -11193,14 +11201,6 @@
     <ds:schemaRef ds:uri="http://purl.org/dc/elements/1.1/"/>
     <ds:schemaRef ds:uri="http://purl.org/dc/terms/"/>
     <ds:schemaRef ds:uri="http://schemas.microsoft.com/internal/obd"/>
-  </ds:schemaRefs>
-</ds:datastoreItem>
-</file>
-
-<file path=customXml/itemProps2.xml><?xml version="1.0" encoding="utf-8"?>
-<ds:datastoreItem xmlns:ds="http://schemas.openxmlformats.org/officeDocument/2006/customXml" ds:itemID="{47B07C09-FF92-4115-A3C4-DCD45D83FCB5}">
-  <ds:schemaRefs>
-    <ds:schemaRef ds:uri="http://schemas.microsoft.com/sharepoint/v3/contenttype/forms"/>
   </ds:schemaRefs>
 </ds:datastoreItem>
 </file>
